--- a/Doc/MAF00100.pptx
+++ b/Doc/MAF00100.pptx
@@ -10,7 +10,8 @@
     <p:sldId id="260" r:id="rId4"/>
     <p:sldId id="259" r:id="rId5"/>
     <p:sldId id="258" r:id="rId6"/>
-    <p:sldId id="261" r:id="rId7"/>
+    <p:sldId id="262" r:id="rId7"/>
+    <p:sldId id="261" r:id="rId8"/>
   </p:sldIdLst>
   <p:sldSz cx="9144000" cy="6858000" type="screen4x3"/>
   <p:notesSz cx="6858000" cy="9144000"/>
@@ -248,7 +249,7 @@
           <a:p>
             <a:fld id="{FB010384-A7D8-414A-A2F5-8FC277D29C40}" type="datetimeFigureOut">
               <a:rPr kumimoji="1" lang="ja-JP" altLang="en-US" smtClean="0"/>
-              <a:t>2022/2/23</a:t>
+              <a:t>2022/3/27</a:t>
             </a:fld>
             <a:endParaRPr kumimoji="1" lang="ja-JP" altLang="en-US"/>
           </a:p>
@@ -450,7 +451,7 @@
           <a:p>
             <a:fld id="{FB010384-A7D8-414A-A2F5-8FC277D29C40}" type="datetimeFigureOut">
               <a:rPr kumimoji="1" lang="ja-JP" altLang="en-US" smtClean="0"/>
-              <a:t>2022/2/23</a:t>
+              <a:t>2022/3/27</a:t>
             </a:fld>
             <a:endParaRPr kumimoji="1" lang="ja-JP" altLang="en-US"/>
           </a:p>
@@ -662,7 +663,7 @@
           <a:p>
             <a:fld id="{FB010384-A7D8-414A-A2F5-8FC277D29C40}" type="datetimeFigureOut">
               <a:rPr kumimoji="1" lang="ja-JP" altLang="en-US" smtClean="0"/>
-              <a:t>2022/2/23</a:t>
+              <a:t>2022/3/27</a:t>
             </a:fld>
             <a:endParaRPr kumimoji="1" lang="ja-JP" altLang="en-US"/>
           </a:p>
@@ -864,7 +865,7 @@
           <a:p>
             <a:fld id="{FB010384-A7D8-414A-A2F5-8FC277D29C40}" type="datetimeFigureOut">
               <a:rPr kumimoji="1" lang="ja-JP" altLang="en-US" smtClean="0"/>
-              <a:t>2022/2/23</a:t>
+              <a:t>2022/3/27</a:t>
             </a:fld>
             <a:endParaRPr kumimoji="1" lang="ja-JP" altLang="en-US"/>
           </a:p>
@@ -1108,7 +1109,7 @@
           <a:p>
             <a:fld id="{FB010384-A7D8-414A-A2F5-8FC277D29C40}" type="datetimeFigureOut">
               <a:rPr kumimoji="1" lang="ja-JP" altLang="en-US" smtClean="0"/>
-              <a:t>2022/2/23</a:t>
+              <a:t>2022/3/27</a:t>
             </a:fld>
             <a:endParaRPr kumimoji="1" lang="ja-JP" altLang="en-US"/>
           </a:p>
@@ -1404,7 +1405,7 @@
           <a:p>
             <a:fld id="{FB010384-A7D8-414A-A2F5-8FC277D29C40}" type="datetimeFigureOut">
               <a:rPr kumimoji="1" lang="ja-JP" altLang="en-US" smtClean="0"/>
-              <a:t>2022/2/23</a:t>
+              <a:t>2022/3/27</a:t>
             </a:fld>
             <a:endParaRPr kumimoji="1" lang="ja-JP" altLang="en-US"/>
           </a:p>
@@ -1835,7 +1836,7 @@
           <a:p>
             <a:fld id="{FB010384-A7D8-414A-A2F5-8FC277D29C40}" type="datetimeFigureOut">
               <a:rPr kumimoji="1" lang="ja-JP" altLang="en-US" smtClean="0"/>
-              <a:t>2022/2/23</a:t>
+              <a:t>2022/3/27</a:t>
             </a:fld>
             <a:endParaRPr kumimoji="1" lang="ja-JP" altLang="en-US"/>
           </a:p>
@@ -1953,7 +1954,7 @@
           <a:p>
             <a:fld id="{FB010384-A7D8-414A-A2F5-8FC277D29C40}" type="datetimeFigureOut">
               <a:rPr kumimoji="1" lang="ja-JP" altLang="en-US" smtClean="0"/>
-              <a:t>2022/2/23</a:t>
+              <a:t>2022/3/27</a:t>
             </a:fld>
             <a:endParaRPr kumimoji="1" lang="ja-JP" altLang="en-US"/>
           </a:p>
@@ -2048,7 +2049,7 @@
           <a:p>
             <a:fld id="{FB010384-A7D8-414A-A2F5-8FC277D29C40}" type="datetimeFigureOut">
               <a:rPr kumimoji="1" lang="ja-JP" altLang="en-US" smtClean="0"/>
-              <a:t>2022/2/23</a:t>
+              <a:t>2022/3/27</a:t>
             </a:fld>
             <a:endParaRPr kumimoji="1" lang="ja-JP" altLang="en-US"/>
           </a:p>
@@ -2357,7 +2358,7 @@
           <a:p>
             <a:fld id="{FB010384-A7D8-414A-A2F5-8FC277D29C40}" type="datetimeFigureOut">
               <a:rPr kumimoji="1" lang="ja-JP" altLang="en-US" smtClean="0"/>
-              <a:t>2022/2/23</a:t>
+              <a:t>2022/3/27</a:t>
             </a:fld>
             <a:endParaRPr kumimoji="1" lang="ja-JP" altLang="en-US"/>
           </a:p>
@@ -2614,7 +2615,7 @@
           <a:p>
             <a:fld id="{FB010384-A7D8-414A-A2F5-8FC277D29C40}" type="datetimeFigureOut">
               <a:rPr kumimoji="1" lang="ja-JP" altLang="en-US" smtClean="0"/>
-              <a:t>2022/2/23</a:t>
+              <a:t>2022/3/27</a:t>
             </a:fld>
             <a:endParaRPr kumimoji="1" lang="ja-JP" altLang="en-US"/>
           </a:p>
@@ -2859,7 +2860,7 @@
           <a:p>
             <a:fld id="{FB010384-A7D8-414A-A2F5-8FC277D29C40}" type="datetimeFigureOut">
               <a:rPr kumimoji="1" lang="ja-JP" altLang="en-US" smtClean="0"/>
-              <a:t>2022/2/23</a:t>
+              <a:t>2022/3/27</a:t>
             </a:fld>
             <a:endParaRPr kumimoji="1" lang="ja-JP" altLang="en-US"/>
           </a:p>
@@ -15346,10 +15347,10 @@
       </p:sp>
       <p:pic>
         <p:nvPicPr>
-          <p:cNvPr id="5" name="図 4">
-            <a:extLst>
-              <a:ext uri="{FF2B5EF4-FFF2-40B4-BE49-F238E27FC236}">
-                <a16:creationId xmlns:a16="http://schemas.microsoft.com/office/drawing/2014/main" id="{63EEC4D3-6DDA-4FC3-A4C8-430DDFA776A3}"/>
+          <p:cNvPr id="4" name="図 3">
+            <a:extLst>
+              <a:ext uri="{FF2B5EF4-FFF2-40B4-BE49-F238E27FC236}">
+                <a16:creationId xmlns:a16="http://schemas.microsoft.com/office/drawing/2014/main" id="{2F149AE1-CB44-41C5-BED3-0D3B15A838C0}"/>
               </a:ext>
             </a:extLst>
           </p:cNvPr>
@@ -15366,8 +15367,100 @@
         </p:blipFill>
         <p:spPr>
           <a:xfrm>
-            <a:off x="1401805" y="2057650"/>
-            <a:ext cx="6340389" cy="4435224"/>
+            <a:off x="434994" y="1584960"/>
+            <a:ext cx="8235017" cy="4739019"/>
+          </a:xfrm>
+          <a:prstGeom prst="rect">
+            <a:avLst/>
+          </a:prstGeom>
+        </p:spPr>
+      </p:pic>
+    </p:spTree>
+    <p:extLst>
+      <p:ext uri="{BB962C8B-B14F-4D97-AF65-F5344CB8AC3E}">
+        <p14:creationId xmlns:p14="http://schemas.microsoft.com/office/powerpoint/2010/main" val="3146196956"/>
+      </p:ext>
+    </p:extLst>
+  </p:cSld>
+  <p:clrMapOvr>
+    <a:masterClrMapping/>
+  </p:clrMapOvr>
+</p:sld>
+</file>
+
+<file path=ppt/slides/slide7.xml><?xml version="1.0" encoding="utf-8"?>
+<p:sld xmlns:a="http://schemas.openxmlformats.org/drawingml/2006/main" xmlns:r="http://schemas.openxmlformats.org/officeDocument/2006/relationships" xmlns:p="http://schemas.openxmlformats.org/presentationml/2006/main">
+  <p:cSld>
+    <p:spTree>
+      <p:nvGrpSpPr>
+        <p:cNvPr id="1" name=""/>
+        <p:cNvGrpSpPr/>
+        <p:nvPr/>
+      </p:nvGrpSpPr>
+      <p:grpSpPr>
+        <a:xfrm>
+          <a:off x="0" y="0"/>
+          <a:ext cx="0" cy="0"/>
+          <a:chOff x="0" y="0"/>
+          <a:chExt cx="0" cy="0"/>
+        </a:xfrm>
+      </p:grpSpPr>
+      <p:sp>
+        <p:nvSpPr>
+          <p:cNvPr id="2" name="タイトル 1">
+            <a:extLst>
+              <a:ext uri="{FF2B5EF4-FFF2-40B4-BE49-F238E27FC236}">
+                <a16:creationId xmlns:a16="http://schemas.microsoft.com/office/drawing/2014/main" id="{20A0E864-CBE9-4320-B634-D7368CDA962B}"/>
+              </a:ext>
+            </a:extLst>
+          </p:cNvPr>
+          <p:cNvSpPr>
+            <a:spLocks noGrp="1"/>
+          </p:cNvSpPr>
+          <p:nvPr>
+            <p:ph type="title"/>
+          </p:nvPr>
+        </p:nvSpPr>
+        <p:spPr/>
+        <p:txBody>
+          <a:bodyPr/>
+          <a:lstStyle/>
+          <a:p>
+            <a:r>
+              <a:rPr kumimoji="1" lang="en-US" altLang="ja-JP" dirty="0"/>
+              <a:t>ER</a:t>
+            </a:r>
+            <a:r>
+              <a:rPr kumimoji="1" lang="ja-JP" altLang="en-US" dirty="0"/>
+              <a:t>図</a:t>
+            </a:r>
+          </a:p>
+        </p:txBody>
+      </p:sp>
+      <p:pic>
+        <p:nvPicPr>
+          <p:cNvPr id="7" name="図 6">
+            <a:extLst>
+              <a:ext uri="{FF2B5EF4-FFF2-40B4-BE49-F238E27FC236}">
+                <a16:creationId xmlns:a16="http://schemas.microsoft.com/office/drawing/2014/main" id="{24D61316-BBA2-48D1-BB36-4AB9CC2119D7}"/>
+              </a:ext>
+            </a:extLst>
+          </p:cNvPr>
+          <p:cNvPicPr>
+            <a:picLocks noChangeAspect="1"/>
+          </p:cNvPicPr>
+          <p:nvPr/>
+        </p:nvPicPr>
+        <p:blipFill>
+          <a:blip r:embed="rId2"/>
+          <a:stretch>
+            <a:fillRect/>
+          </a:stretch>
+        </p:blipFill>
+        <p:spPr>
+          <a:xfrm>
+            <a:off x="1977157" y="853185"/>
+            <a:ext cx="5372566" cy="5883150"/>
           </a:xfrm>
           <a:prstGeom prst="rect">
             <a:avLst/>

--- a/Doc/MAF00100.pptx
+++ b/Doc/MAF00100.pptx
@@ -7,11 +7,10 @@
   <p:sldIdLst>
     <p:sldId id="256" r:id="rId2"/>
     <p:sldId id="257" r:id="rId3"/>
-    <p:sldId id="260" r:id="rId4"/>
-    <p:sldId id="259" r:id="rId5"/>
-    <p:sldId id="258" r:id="rId6"/>
-    <p:sldId id="262" r:id="rId7"/>
-    <p:sldId id="261" r:id="rId8"/>
+    <p:sldId id="261" r:id="rId4"/>
+    <p:sldId id="260" r:id="rId5"/>
+    <p:sldId id="259" r:id="rId6"/>
+    <p:sldId id="258" r:id="rId7"/>
   </p:sldIdLst>
   <p:sldSz cx="9144000" cy="6858000" type="screen4x3"/>
   <p:notesSz cx="6858000" cy="9144000"/>
@@ -249,7 +248,7 @@
           <a:p>
             <a:fld id="{FB010384-A7D8-414A-A2F5-8FC277D29C40}" type="datetimeFigureOut">
               <a:rPr kumimoji="1" lang="ja-JP" altLang="en-US" smtClean="0"/>
-              <a:t>2022/3/27</a:t>
+              <a:t>2022/4/9</a:t>
             </a:fld>
             <a:endParaRPr kumimoji="1" lang="ja-JP" altLang="en-US"/>
           </a:p>
@@ -451,7 +450,7 @@
           <a:p>
             <a:fld id="{FB010384-A7D8-414A-A2F5-8FC277D29C40}" type="datetimeFigureOut">
               <a:rPr kumimoji="1" lang="ja-JP" altLang="en-US" smtClean="0"/>
-              <a:t>2022/3/27</a:t>
+              <a:t>2022/4/9</a:t>
             </a:fld>
             <a:endParaRPr kumimoji="1" lang="ja-JP" altLang="en-US"/>
           </a:p>
@@ -663,7 +662,7 @@
           <a:p>
             <a:fld id="{FB010384-A7D8-414A-A2F5-8FC277D29C40}" type="datetimeFigureOut">
               <a:rPr kumimoji="1" lang="ja-JP" altLang="en-US" smtClean="0"/>
-              <a:t>2022/3/27</a:t>
+              <a:t>2022/4/9</a:t>
             </a:fld>
             <a:endParaRPr kumimoji="1" lang="ja-JP" altLang="en-US"/>
           </a:p>
@@ -865,7 +864,7 @@
           <a:p>
             <a:fld id="{FB010384-A7D8-414A-A2F5-8FC277D29C40}" type="datetimeFigureOut">
               <a:rPr kumimoji="1" lang="ja-JP" altLang="en-US" smtClean="0"/>
-              <a:t>2022/3/27</a:t>
+              <a:t>2022/4/9</a:t>
             </a:fld>
             <a:endParaRPr kumimoji="1" lang="ja-JP" altLang="en-US"/>
           </a:p>
@@ -1109,7 +1108,7 @@
           <a:p>
             <a:fld id="{FB010384-A7D8-414A-A2F5-8FC277D29C40}" type="datetimeFigureOut">
               <a:rPr kumimoji="1" lang="ja-JP" altLang="en-US" smtClean="0"/>
-              <a:t>2022/3/27</a:t>
+              <a:t>2022/4/9</a:t>
             </a:fld>
             <a:endParaRPr kumimoji="1" lang="ja-JP" altLang="en-US"/>
           </a:p>
@@ -1405,7 +1404,7 @@
           <a:p>
             <a:fld id="{FB010384-A7D8-414A-A2F5-8FC277D29C40}" type="datetimeFigureOut">
               <a:rPr kumimoji="1" lang="ja-JP" altLang="en-US" smtClean="0"/>
-              <a:t>2022/3/27</a:t>
+              <a:t>2022/4/9</a:t>
             </a:fld>
             <a:endParaRPr kumimoji="1" lang="ja-JP" altLang="en-US"/>
           </a:p>
@@ -1836,7 +1835,7 @@
           <a:p>
             <a:fld id="{FB010384-A7D8-414A-A2F5-8FC277D29C40}" type="datetimeFigureOut">
               <a:rPr kumimoji="1" lang="ja-JP" altLang="en-US" smtClean="0"/>
-              <a:t>2022/3/27</a:t>
+              <a:t>2022/4/9</a:t>
             </a:fld>
             <a:endParaRPr kumimoji="1" lang="ja-JP" altLang="en-US"/>
           </a:p>
@@ -1954,7 +1953,7 @@
           <a:p>
             <a:fld id="{FB010384-A7D8-414A-A2F5-8FC277D29C40}" type="datetimeFigureOut">
               <a:rPr kumimoji="1" lang="ja-JP" altLang="en-US" smtClean="0"/>
-              <a:t>2022/3/27</a:t>
+              <a:t>2022/4/9</a:t>
             </a:fld>
             <a:endParaRPr kumimoji="1" lang="ja-JP" altLang="en-US"/>
           </a:p>
@@ -2049,7 +2048,7 @@
           <a:p>
             <a:fld id="{FB010384-A7D8-414A-A2F5-8FC277D29C40}" type="datetimeFigureOut">
               <a:rPr kumimoji="1" lang="ja-JP" altLang="en-US" smtClean="0"/>
-              <a:t>2022/3/27</a:t>
+              <a:t>2022/4/9</a:t>
             </a:fld>
             <a:endParaRPr kumimoji="1" lang="ja-JP" altLang="en-US"/>
           </a:p>
@@ -2358,7 +2357,7 @@
           <a:p>
             <a:fld id="{FB010384-A7D8-414A-A2F5-8FC277D29C40}" type="datetimeFigureOut">
               <a:rPr kumimoji="1" lang="ja-JP" altLang="en-US" smtClean="0"/>
-              <a:t>2022/3/27</a:t>
+              <a:t>2022/4/9</a:t>
             </a:fld>
             <a:endParaRPr kumimoji="1" lang="ja-JP" altLang="en-US"/>
           </a:p>
@@ -2615,7 +2614,7 @@
           <a:p>
             <a:fld id="{FB010384-A7D8-414A-A2F5-8FC277D29C40}" type="datetimeFigureOut">
               <a:rPr kumimoji="1" lang="ja-JP" altLang="en-US" smtClean="0"/>
-              <a:t>2022/3/27</a:t>
+              <a:t>2022/4/9</a:t>
             </a:fld>
             <a:endParaRPr kumimoji="1" lang="ja-JP" altLang="en-US"/>
           </a:p>
@@ -2860,7 +2859,7 @@
           <a:p>
             <a:fld id="{FB010384-A7D8-414A-A2F5-8FC277D29C40}" type="datetimeFigureOut">
               <a:rPr kumimoji="1" lang="ja-JP" altLang="en-US" smtClean="0"/>
-              <a:t>2022/3/27</a:t>
+              <a:t>2022/4/9</a:t>
             </a:fld>
             <a:endParaRPr kumimoji="1" lang="ja-JP" altLang="en-US"/>
           </a:p>
@@ -5779,6 +5778,86 @@
       </p:grpSpPr>
       <p:sp>
         <p:nvSpPr>
+          <p:cNvPr id="2" name="タイトル 1">
+            <a:extLst>
+              <a:ext uri="{FF2B5EF4-FFF2-40B4-BE49-F238E27FC236}">
+                <a16:creationId xmlns:a16="http://schemas.microsoft.com/office/drawing/2014/main" id="{061258A2-6F47-4D55-A1F8-F36A46850A46}"/>
+              </a:ext>
+            </a:extLst>
+          </p:cNvPr>
+          <p:cNvSpPr>
+            <a:spLocks noGrp="1"/>
+          </p:cNvSpPr>
+          <p:nvPr>
+            <p:ph type="title"/>
+          </p:nvPr>
+        </p:nvSpPr>
+        <p:spPr/>
+        <p:txBody>
+          <a:bodyPr/>
+          <a:lstStyle/>
+          <a:p>
+            <a:endParaRPr kumimoji="1" lang="ja-JP" altLang="en-US"/>
+          </a:p>
+        </p:txBody>
+      </p:sp>
+      <p:sp>
+        <p:nvSpPr>
+          <p:cNvPr id="3" name="コンテンツ プレースホルダー 2">
+            <a:extLst>
+              <a:ext uri="{FF2B5EF4-FFF2-40B4-BE49-F238E27FC236}">
+                <a16:creationId xmlns:a16="http://schemas.microsoft.com/office/drawing/2014/main" id="{EEB26056-71C8-40BE-9750-025B16421B23}"/>
+              </a:ext>
+            </a:extLst>
+          </p:cNvPr>
+          <p:cNvSpPr>
+            <a:spLocks noGrp="1"/>
+          </p:cNvSpPr>
+          <p:nvPr>
+            <p:ph idx="1"/>
+          </p:nvPr>
+        </p:nvSpPr>
+        <p:spPr/>
+        <p:txBody>
+          <a:bodyPr/>
+          <a:lstStyle/>
+          <a:p>
+            <a:endParaRPr kumimoji="1" lang="ja-JP" altLang="en-US"/>
+          </a:p>
+        </p:txBody>
+      </p:sp>
+    </p:spTree>
+    <p:extLst>
+      <p:ext uri="{BB962C8B-B14F-4D97-AF65-F5344CB8AC3E}">
+        <p14:creationId xmlns:p14="http://schemas.microsoft.com/office/powerpoint/2010/main" val="3306156518"/>
+      </p:ext>
+    </p:extLst>
+  </p:cSld>
+  <p:clrMapOvr>
+    <a:masterClrMapping/>
+  </p:clrMapOvr>
+</p:sld>
+</file>
+
+<file path=ppt/slides/slide4.xml><?xml version="1.0" encoding="utf-8"?>
+<p:sld xmlns:a="http://schemas.openxmlformats.org/drawingml/2006/main" xmlns:r="http://schemas.openxmlformats.org/officeDocument/2006/relationships" xmlns:p="http://schemas.openxmlformats.org/presentationml/2006/main">
+  <p:cSld>
+    <p:spTree>
+      <p:nvGrpSpPr>
+        <p:cNvPr id="1" name=""/>
+        <p:cNvGrpSpPr/>
+        <p:nvPr/>
+      </p:nvGrpSpPr>
+      <p:grpSpPr>
+        <a:xfrm>
+          <a:off x="0" y="0"/>
+          <a:ext cx="0" cy="0"/>
+          <a:chOff x="0" y="0"/>
+          <a:chExt cx="0" cy="0"/>
+        </a:xfrm>
+      </p:grpSpPr>
+      <p:sp>
+        <p:nvSpPr>
           <p:cNvPr id="52" name="タイトル 1">
             <a:extLst>
               <a:ext uri="{FF2B5EF4-FFF2-40B4-BE49-F238E27FC236}">
@@ -6807,7 +6886,7 @@
 </p:sld>
 </file>
 
-<file path=ppt/slides/slide4.xml><?xml version="1.0" encoding="utf-8"?>
+<file path=ppt/slides/slide5.xml><?xml version="1.0" encoding="utf-8"?>
 <p:sld xmlns:a="http://schemas.openxmlformats.org/drawingml/2006/main" xmlns:r="http://schemas.openxmlformats.org/officeDocument/2006/relationships" xmlns:p="http://schemas.openxmlformats.org/presentationml/2006/main">
   <p:cSld>
     <p:spTree>
@@ -10222,7 +10301,7 @@
 </p:sld>
 </file>
 
-<file path=ppt/slides/slide5.xml><?xml version="1.0" encoding="utf-8"?>
+<file path=ppt/slides/slide6.xml><?xml version="1.0" encoding="utf-8"?>
 <p:sld xmlns:a="http://schemas.openxmlformats.org/drawingml/2006/main" xmlns:r="http://schemas.openxmlformats.org/officeDocument/2006/relationships" xmlns:p="http://schemas.openxmlformats.org/presentationml/2006/main">
   <p:cSld>
     <p:spTree>
@@ -15287,190 +15366,6 @@
     <p:extLst>
       <p:ext uri="{BB962C8B-B14F-4D97-AF65-F5344CB8AC3E}">
         <p14:creationId xmlns:p14="http://schemas.microsoft.com/office/powerpoint/2010/main" val="779400323"/>
-      </p:ext>
-    </p:extLst>
-  </p:cSld>
-  <p:clrMapOvr>
-    <a:masterClrMapping/>
-  </p:clrMapOvr>
-</p:sld>
-</file>
-
-<file path=ppt/slides/slide6.xml><?xml version="1.0" encoding="utf-8"?>
-<p:sld xmlns:a="http://schemas.openxmlformats.org/drawingml/2006/main" xmlns:r="http://schemas.openxmlformats.org/officeDocument/2006/relationships" xmlns:p="http://schemas.openxmlformats.org/presentationml/2006/main">
-  <p:cSld>
-    <p:spTree>
-      <p:nvGrpSpPr>
-        <p:cNvPr id="1" name=""/>
-        <p:cNvGrpSpPr/>
-        <p:nvPr/>
-      </p:nvGrpSpPr>
-      <p:grpSpPr>
-        <a:xfrm>
-          <a:off x="0" y="0"/>
-          <a:ext cx="0" cy="0"/>
-          <a:chOff x="0" y="0"/>
-          <a:chExt cx="0" cy="0"/>
-        </a:xfrm>
-      </p:grpSpPr>
-      <p:sp>
-        <p:nvSpPr>
-          <p:cNvPr id="2" name="タイトル 1">
-            <a:extLst>
-              <a:ext uri="{FF2B5EF4-FFF2-40B4-BE49-F238E27FC236}">
-                <a16:creationId xmlns:a16="http://schemas.microsoft.com/office/drawing/2014/main" id="{20A0E864-CBE9-4320-B634-D7368CDA962B}"/>
-              </a:ext>
-            </a:extLst>
-          </p:cNvPr>
-          <p:cNvSpPr>
-            <a:spLocks noGrp="1"/>
-          </p:cNvSpPr>
-          <p:nvPr>
-            <p:ph type="title"/>
-          </p:nvPr>
-        </p:nvSpPr>
-        <p:spPr/>
-        <p:txBody>
-          <a:bodyPr/>
-          <a:lstStyle/>
-          <a:p>
-            <a:r>
-              <a:rPr kumimoji="1" lang="en-US" altLang="ja-JP" dirty="0"/>
-              <a:t>ER</a:t>
-            </a:r>
-            <a:r>
-              <a:rPr kumimoji="1" lang="ja-JP" altLang="en-US" dirty="0"/>
-              <a:t>図</a:t>
-            </a:r>
-          </a:p>
-        </p:txBody>
-      </p:sp>
-      <p:pic>
-        <p:nvPicPr>
-          <p:cNvPr id="4" name="図 3">
-            <a:extLst>
-              <a:ext uri="{FF2B5EF4-FFF2-40B4-BE49-F238E27FC236}">
-                <a16:creationId xmlns:a16="http://schemas.microsoft.com/office/drawing/2014/main" id="{2F149AE1-CB44-41C5-BED3-0D3B15A838C0}"/>
-              </a:ext>
-            </a:extLst>
-          </p:cNvPr>
-          <p:cNvPicPr>
-            <a:picLocks noChangeAspect="1"/>
-          </p:cNvPicPr>
-          <p:nvPr/>
-        </p:nvPicPr>
-        <p:blipFill>
-          <a:blip r:embed="rId2"/>
-          <a:stretch>
-            <a:fillRect/>
-          </a:stretch>
-        </p:blipFill>
-        <p:spPr>
-          <a:xfrm>
-            <a:off x="434994" y="1584960"/>
-            <a:ext cx="8235017" cy="4739019"/>
-          </a:xfrm>
-          <a:prstGeom prst="rect">
-            <a:avLst/>
-          </a:prstGeom>
-        </p:spPr>
-      </p:pic>
-    </p:spTree>
-    <p:extLst>
-      <p:ext uri="{BB962C8B-B14F-4D97-AF65-F5344CB8AC3E}">
-        <p14:creationId xmlns:p14="http://schemas.microsoft.com/office/powerpoint/2010/main" val="3146196956"/>
-      </p:ext>
-    </p:extLst>
-  </p:cSld>
-  <p:clrMapOvr>
-    <a:masterClrMapping/>
-  </p:clrMapOvr>
-</p:sld>
-</file>
-
-<file path=ppt/slides/slide7.xml><?xml version="1.0" encoding="utf-8"?>
-<p:sld xmlns:a="http://schemas.openxmlformats.org/drawingml/2006/main" xmlns:r="http://schemas.openxmlformats.org/officeDocument/2006/relationships" xmlns:p="http://schemas.openxmlformats.org/presentationml/2006/main">
-  <p:cSld>
-    <p:spTree>
-      <p:nvGrpSpPr>
-        <p:cNvPr id="1" name=""/>
-        <p:cNvGrpSpPr/>
-        <p:nvPr/>
-      </p:nvGrpSpPr>
-      <p:grpSpPr>
-        <a:xfrm>
-          <a:off x="0" y="0"/>
-          <a:ext cx="0" cy="0"/>
-          <a:chOff x="0" y="0"/>
-          <a:chExt cx="0" cy="0"/>
-        </a:xfrm>
-      </p:grpSpPr>
-      <p:sp>
-        <p:nvSpPr>
-          <p:cNvPr id="2" name="タイトル 1">
-            <a:extLst>
-              <a:ext uri="{FF2B5EF4-FFF2-40B4-BE49-F238E27FC236}">
-                <a16:creationId xmlns:a16="http://schemas.microsoft.com/office/drawing/2014/main" id="{20A0E864-CBE9-4320-B634-D7368CDA962B}"/>
-              </a:ext>
-            </a:extLst>
-          </p:cNvPr>
-          <p:cNvSpPr>
-            <a:spLocks noGrp="1"/>
-          </p:cNvSpPr>
-          <p:nvPr>
-            <p:ph type="title"/>
-          </p:nvPr>
-        </p:nvSpPr>
-        <p:spPr/>
-        <p:txBody>
-          <a:bodyPr/>
-          <a:lstStyle/>
-          <a:p>
-            <a:r>
-              <a:rPr kumimoji="1" lang="en-US" altLang="ja-JP" dirty="0"/>
-              <a:t>ER</a:t>
-            </a:r>
-            <a:r>
-              <a:rPr kumimoji="1" lang="ja-JP" altLang="en-US" dirty="0"/>
-              <a:t>図</a:t>
-            </a:r>
-          </a:p>
-        </p:txBody>
-      </p:sp>
-      <p:pic>
-        <p:nvPicPr>
-          <p:cNvPr id="7" name="図 6">
-            <a:extLst>
-              <a:ext uri="{FF2B5EF4-FFF2-40B4-BE49-F238E27FC236}">
-                <a16:creationId xmlns:a16="http://schemas.microsoft.com/office/drawing/2014/main" id="{24D61316-BBA2-48D1-BB36-4AB9CC2119D7}"/>
-              </a:ext>
-            </a:extLst>
-          </p:cNvPr>
-          <p:cNvPicPr>
-            <a:picLocks noChangeAspect="1"/>
-          </p:cNvPicPr>
-          <p:nvPr/>
-        </p:nvPicPr>
-        <p:blipFill>
-          <a:blip r:embed="rId2"/>
-          <a:stretch>
-            <a:fillRect/>
-          </a:stretch>
-        </p:blipFill>
-        <p:spPr>
-          <a:xfrm>
-            <a:off x="1977157" y="853185"/>
-            <a:ext cx="5372566" cy="5883150"/>
-          </a:xfrm>
-          <a:prstGeom prst="rect">
-            <a:avLst/>
-          </a:prstGeom>
-        </p:spPr>
-      </p:pic>
-    </p:spTree>
-    <p:extLst>
-      <p:ext uri="{BB962C8B-B14F-4D97-AF65-F5344CB8AC3E}">
-        <p14:creationId xmlns:p14="http://schemas.microsoft.com/office/powerpoint/2010/main" val="2829965711"/>
       </p:ext>
     </p:extLst>
   </p:cSld>

--- a/Doc/MAF00100.pptx
+++ b/Doc/MAF00100.pptx
@@ -7,10 +7,9 @@
   <p:sldIdLst>
     <p:sldId id="256" r:id="rId2"/>
     <p:sldId id="257" r:id="rId3"/>
-    <p:sldId id="261" r:id="rId4"/>
-    <p:sldId id="260" r:id="rId5"/>
-    <p:sldId id="259" r:id="rId6"/>
-    <p:sldId id="258" r:id="rId7"/>
+    <p:sldId id="260" r:id="rId4"/>
+    <p:sldId id="259" r:id="rId5"/>
+    <p:sldId id="258" r:id="rId6"/>
   </p:sldIdLst>
   <p:sldSz cx="9144000" cy="6858000" type="screen4x3"/>
   <p:notesSz cx="6858000" cy="9144000"/>
@@ -248,7 +247,7 @@
           <a:p>
             <a:fld id="{FB010384-A7D8-414A-A2F5-8FC277D29C40}" type="datetimeFigureOut">
               <a:rPr kumimoji="1" lang="ja-JP" altLang="en-US" smtClean="0"/>
-              <a:t>2022/4/9</a:t>
+              <a:t>2022/4/16</a:t>
             </a:fld>
             <a:endParaRPr kumimoji="1" lang="ja-JP" altLang="en-US"/>
           </a:p>
@@ -450,7 +449,7 @@
           <a:p>
             <a:fld id="{FB010384-A7D8-414A-A2F5-8FC277D29C40}" type="datetimeFigureOut">
               <a:rPr kumimoji="1" lang="ja-JP" altLang="en-US" smtClean="0"/>
-              <a:t>2022/4/9</a:t>
+              <a:t>2022/4/16</a:t>
             </a:fld>
             <a:endParaRPr kumimoji="1" lang="ja-JP" altLang="en-US"/>
           </a:p>
@@ -662,7 +661,7 @@
           <a:p>
             <a:fld id="{FB010384-A7D8-414A-A2F5-8FC277D29C40}" type="datetimeFigureOut">
               <a:rPr kumimoji="1" lang="ja-JP" altLang="en-US" smtClean="0"/>
-              <a:t>2022/4/9</a:t>
+              <a:t>2022/4/16</a:t>
             </a:fld>
             <a:endParaRPr kumimoji="1" lang="ja-JP" altLang="en-US"/>
           </a:p>
@@ -864,7 +863,7 @@
           <a:p>
             <a:fld id="{FB010384-A7D8-414A-A2F5-8FC277D29C40}" type="datetimeFigureOut">
               <a:rPr kumimoji="1" lang="ja-JP" altLang="en-US" smtClean="0"/>
-              <a:t>2022/4/9</a:t>
+              <a:t>2022/4/16</a:t>
             </a:fld>
             <a:endParaRPr kumimoji="1" lang="ja-JP" altLang="en-US"/>
           </a:p>
@@ -1108,7 +1107,7 @@
           <a:p>
             <a:fld id="{FB010384-A7D8-414A-A2F5-8FC277D29C40}" type="datetimeFigureOut">
               <a:rPr kumimoji="1" lang="ja-JP" altLang="en-US" smtClean="0"/>
-              <a:t>2022/4/9</a:t>
+              <a:t>2022/4/16</a:t>
             </a:fld>
             <a:endParaRPr kumimoji="1" lang="ja-JP" altLang="en-US"/>
           </a:p>
@@ -1404,7 +1403,7 @@
           <a:p>
             <a:fld id="{FB010384-A7D8-414A-A2F5-8FC277D29C40}" type="datetimeFigureOut">
               <a:rPr kumimoji="1" lang="ja-JP" altLang="en-US" smtClean="0"/>
-              <a:t>2022/4/9</a:t>
+              <a:t>2022/4/16</a:t>
             </a:fld>
             <a:endParaRPr kumimoji="1" lang="ja-JP" altLang="en-US"/>
           </a:p>
@@ -1835,7 +1834,7 @@
           <a:p>
             <a:fld id="{FB010384-A7D8-414A-A2F5-8FC277D29C40}" type="datetimeFigureOut">
               <a:rPr kumimoji="1" lang="ja-JP" altLang="en-US" smtClean="0"/>
-              <a:t>2022/4/9</a:t>
+              <a:t>2022/4/16</a:t>
             </a:fld>
             <a:endParaRPr kumimoji="1" lang="ja-JP" altLang="en-US"/>
           </a:p>
@@ -1953,7 +1952,7 @@
           <a:p>
             <a:fld id="{FB010384-A7D8-414A-A2F5-8FC277D29C40}" type="datetimeFigureOut">
               <a:rPr kumimoji="1" lang="ja-JP" altLang="en-US" smtClean="0"/>
-              <a:t>2022/4/9</a:t>
+              <a:t>2022/4/16</a:t>
             </a:fld>
             <a:endParaRPr kumimoji="1" lang="ja-JP" altLang="en-US"/>
           </a:p>
@@ -2048,7 +2047,7 @@
           <a:p>
             <a:fld id="{FB010384-A7D8-414A-A2F5-8FC277D29C40}" type="datetimeFigureOut">
               <a:rPr kumimoji="1" lang="ja-JP" altLang="en-US" smtClean="0"/>
-              <a:t>2022/4/9</a:t>
+              <a:t>2022/4/16</a:t>
             </a:fld>
             <a:endParaRPr kumimoji="1" lang="ja-JP" altLang="en-US"/>
           </a:p>
@@ -2357,7 +2356,7 @@
           <a:p>
             <a:fld id="{FB010384-A7D8-414A-A2F5-8FC277D29C40}" type="datetimeFigureOut">
               <a:rPr kumimoji="1" lang="ja-JP" altLang="en-US" smtClean="0"/>
-              <a:t>2022/4/9</a:t>
+              <a:t>2022/4/16</a:t>
             </a:fld>
             <a:endParaRPr kumimoji="1" lang="ja-JP" altLang="en-US"/>
           </a:p>
@@ -2614,7 +2613,7 @@
           <a:p>
             <a:fld id="{FB010384-A7D8-414A-A2F5-8FC277D29C40}" type="datetimeFigureOut">
               <a:rPr kumimoji="1" lang="ja-JP" altLang="en-US" smtClean="0"/>
-              <a:t>2022/4/9</a:t>
+              <a:t>2022/4/16</a:t>
             </a:fld>
             <a:endParaRPr kumimoji="1" lang="ja-JP" altLang="en-US"/>
           </a:p>
@@ -2859,7 +2858,7 @@
           <a:p>
             <a:fld id="{FB010384-A7D8-414A-A2F5-8FC277D29C40}" type="datetimeFigureOut">
               <a:rPr kumimoji="1" lang="ja-JP" altLang="en-US" smtClean="0"/>
-              <a:t>2022/4/9</a:t>
+              <a:t>2022/4/16</a:t>
             </a:fld>
             <a:endParaRPr kumimoji="1" lang="ja-JP" altLang="en-US"/>
           </a:p>
@@ -3285,6 +3284,17 @@
           <a:bodyPr/>
           <a:lstStyle/>
           <a:p>
+            <a:r>
+              <a:rPr kumimoji="1" lang="en-US" altLang="ja-JP" dirty="0" err="1"/>
+              <a:t>Taskmanagement</a:t>
+            </a:r>
+            <a:br>
+              <a:rPr lang="en-US" altLang="ja-JP" dirty="0"/>
+            </a:br>
+            <a:r>
+              <a:rPr lang="ja-JP" altLang="en-US" dirty="0"/>
+              <a:t>概要設計</a:t>
+            </a:r>
             <a:endParaRPr kumimoji="1" lang="ja-JP" altLang="en-US" dirty="0"/>
           </a:p>
         </p:txBody>
@@ -5778,86 +5788,6 @@
       </p:grpSpPr>
       <p:sp>
         <p:nvSpPr>
-          <p:cNvPr id="2" name="タイトル 1">
-            <a:extLst>
-              <a:ext uri="{FF2B5EF4-FFF2-40B4-BE49-F238E27FC236}">
-                <a16:creationId xmlns:a16="http://schemas.microsoft.com/office/drawing/2014/main" id="{061258A2-6F47-4D55-A1F8-F36A46850A46}"/>
-              </a:ext>
-            </a:extLst>
-          </p:cNvPr>
-          <p:cNvSpPr>
-            <a:spLocks noGrp="1"/>
-          </p:cNvSpPr>
-          <p:nvPr>
-            <p:ph type="title"/>
-          </p:nvPr>
-        </p:nvSpPr>
-        <p:spPr/>
-        <p:txBody>
-          <a:bodyPr/>
-          <a:lstStyle/>
-          <a:p>
-            <a:endParaRPr kumimoji="1" lang="ja-JP" altLang="en-US"/>
-          </a:p>
-        </p:txBody>
-      </p:sp>
-      <p:sp>
-        <p:nvSpPr>
-          <p:cNvPr id="3" name="コンテンツ プレースホルダー 2">
-            <a:extLst>
-              <a:ext uri="{FF2B5EF4-FFF2-40B4-BE49-F238E27FC236}">
-                <a16:creationId xmlns:a16="http://schemas.microsoft.com/office/drawing/2014/main" id="{EEB26056-71C8-40BE-9750-025B16421B23}"/>
-              </a:ext>
-            </a:extLst>
-          </p:cNvPr>
-          <p:cNvSpPr>
-            <a:spLocks noGrp="1"/>
-          </p:cNvSpPr>
-          <p:nvPr>
-            <p:ph idx="1"/>
-          </p:nvPr>
-        </p:nvSpPr>
-        <p:spPr/>
-        <p:txBody>
-          <a:bodyPr/>
-          <a:lstStyle/>
-          <a:p>
-            <a:endParaRPr kumimoji="1" lang="ja-JP" altLang="en-US"/>
-          </a:p>
-        </p:txBody>
-      </p:sp>
-    </p:spTree>
-    <p:extLst>
-      <p:ext uri="{BB962C8B-B14F-4D97-AF65-F5344CB8AC3E}">
-        <p14:creationId xmlns:p14="http://schemas.microsoft.com/office/powerpoint/2010/main" val="3306156518"/>
-      </p:ext>
-    </p:extLst>
-  </p:cSld>
-  <p:clrMapOvr>
-    <a:masterClrMapping/>
-  </p:clrMapOvr>
-</p:sld>
-</file>
-
-<file path=ppt/slides/slide4.xml><?xml version="1.0" encoding="utf-8"?>
-<p:sld xmlns:a="http://schemas.openxmlformats.org/drawingml/2006/main" xmlns:r="http://schemas.openxmlformats.org/officeDocument/2006/relationships" xmlns:p="http://schemas.openxmlformats.org/presentationml/2006/main">
-  <p:cSld>
-    <p:spTree>
-      <p:nvGrpSpPr>
-        <p:cNvPr id="1" name=""/>
-        <p:cNvGrpSpPr/>
-        <p:nvPr/>
-      </p:nvGrpSpPr>
-      <p:grpSpPr>
-        <a:xfrm>
-          <a:off x="0" y="0"/>
-          <a:ext cx="0" cy="0"/>
-          <a:chOff x="0" y="0"/>
-          <a:chExt cx="0" cy="0"/>
-        </a:xfrm>
-      </p:grpSpPr>
-      <p:sp>
-        <p:nvSpPr>
           <p:cNvPr id="52" name="タイトル 1">
             <a:extLst>
               <a:ext uri="{FF2B5EF4-FFF2-40B4-BE49-F238E27FC236}">
@@ -6886,7 +6816,7 @@
 </p:sld>
 </file>
 
-<file path=ppt/slides/slide5.xml><?xml version="1.0" encoding="utf-8"?>
+<file path=ppt/slides/slide4.xml><?xml version="1.0" encoding="utf-8"?>
 <p:sld xmlns:a="http://schemas.openxmlformats.org/drawingml/2006/main" xmlns:r="http://schemas.openxmlformats.org/officeDocument/2006/relationships" xmlns:p="http://schemas.openxmlformats.org/presentationml/2006/main">
   <p:cSld>
     <p:spTree>
@@ -10301,7 +10231,7 @@
 </p:sld>
 </file>
 
-<file path=ppt/slides/slide6.xml><?xml version="1.0" encoding="utf-8"?>
+<file path=ppt/slides/slide5.xml><?xml version="1.0" encoding="utf-8"?>
 <p:sld xmlns:a="http://schemas.openxmlformats.org/drawingml/2006/main" xmlns:r="http://schemas.openxmlformats.org/officeDocument/2006/relationships" xmlns:p="http://schemas.openxmlformats.org/presentationml/2006/main">
   <p:cSld>
     <p:spTree>

--- a/Doc/MAF00100.pptx
+++ b/Doc/MAF00100.pptx
@@ -247,7 +247,7 @@
           <a:p>
             <a:fld id="{FB010384-A7D8-414A-A2F5-8FC277D29C40}" type="datetimeFigureOut">
               <a:rPr kumimoji="1" lang="ja-JP" altLang="en-US" smtClean="0"/>
-              <a:t>2022/4/16</a:t>
+              <a:t>2022/5/3</a:t>
             </a:fld>
             <a:endParaRPr kumimoji="1" lang="ja-JP" altLang="en-US"/>
           </a:p>
@@ -449,7 +449,7 @@
           <a:p>
             <a:fld id="{FB010384-A7D8-414A-A2F5-8FC277D29C40}" type="datetimeFigureOut">
               <a:rPr kumimoji="1" lang="ja-JP" altLang="en-US" smtClean="0"/>
-              <a:t>2022/4/16</a:t>
+              <a:t>2022/5/3</a:t>
             </a:fld>
             <a:endParaRPr kumimoji="1" lang="ja-JP" altLang="en-US"/>
           </a:p>
@@ -661,7 +661,7 @@
           <a:p>
             <a:fld id="{FB010384-A7D8-414A-A2F5-8FC277D29C40}" type="datetimeFigureOut">
               <a:rPr kumimoji="1" lang="ja-JP" altLang="en-US" smtClean="0"/>
-              <a:t>2022/4/16</a:t>
+              <a:t>2022/5/3</a:t>
             </a:fld>
             <a:endParaRPr kumimoji="1" lang="ja-JP" altLang="en-US"/>
           </a:p>
@@ -863,7 +863,7 @@
           <a:p>
             <a:fld id="{FB010384-A7D8-414A-A2F5-8FC277D29C40}" type="datetimeFigureOut">
               <a:rPr kumimoji="1" lang="ja-JP" altLang="en-US" smtClean="0"/>
-              <a:t>2022/4/16</a:t>
+              <a:t>2022/5/3</a:t>
             </a:fld>
             <a:endParaRPr kumimoji="1" lang="ja-JP" altLang="en-US"/>
           </a:p>
@@ -1107,7 +1107,7 @@
           <a:p>
             <a:fld id="{FB010384-A7D8-414A-A2F5-8FC277D29C40}" type="datetimeFigureOut">
               <a:rPr kumimoji="1" lang="ja-JP" altLang="en-US" smtClean="0"/>
-              <a:t>2022/4/16</a:t>
+              <a:t>2022/5/3</a:t>
             </a:fld>
             <a:endParaRPr kumimoji="1" lang="ja-JP" altLang="en-US"/>
           </a:p>
@@ -1403,7 +1403,7 @@
           <a:p>
             <a:fld id="{FB010384-A7D8-414A-A2F5-8FC277D29C40}" type="datetimeFigureOut">
               <a:rPr kumimoji="1" lang="ja-JP" altLang="en-US" smtClean="0"/>
-              <a:t>2022/4/16</a:t>
+              <a:t>2022/5/3</a:t>
             </a:fld>
             <a:endParaRPr kumimoji="1" lang="ja-JP" altLang="en-US"/>
           </a:p>
@@ -1834,7 +1834,7 @@
           <a:p>
             <a:fld id="{FB010384-A7D8-414A-A2F5-8FC277D29C40}" type="datetimeFigureOut">
               <a:rPr kumimoji="1" lang="ja-JP" altLang="en-US" smtClean="0"/>
-              <a:t>2022/4/16</a:t>
+              <a:t>2022/5/3</a:t>
             </a:fld>
             <a:endParaRPr kumimoji="1" lang="ja-JP" altLang="en-US"/>
           </a:p>
@@ -1952,7 +1952,7 @@
           <a:p>
             <a:fld id="{FB010384-A7D8-414A-A2F5-8FC277D29C40}" type="datetimeFigureOut">
               <a:rPr kumimoji="1" lang="ja-JP" altLang="en-US" smtClean="0"/>
-              <a:t>2022/4/16</a:t>
+              <a:t>2022/5/3</a:t>
             </a:fld>
             <a:endParaRPr kumimoji="1" lang="ja-JP" altLang="en-US"/>
           </a:p>
@@ -2047,7 +2047,7 @@
           <a:p>
             <a:fld id="{FB010384-A7D8-414A-A2F5-8FC277D29C40}" type="datetimeFigureOut">
               <a:rPr kumimoji="1" lang="ja-JP" altLang="en-US" smtClean="0"/>
-              <a:t>2022/4/16</a:t>
+              <a:t>2022/5/3</a:t>
             </a:fld>
             <a:endParaRPr kumimoji="1" lang="ja-JP" altLang="en-US"/>
           </a:p>
@@ -2356,7 +2356,7 @@
           <a:p>
             <a:fld id="{FB010384-A7D8-414A-A2F5-8FC277D29C40}" type="datetimeFigureOut">
               <a:rPr kumimoji="1" lang="ja-JP" altLang="en-US" smtClean="0"/>
-              <a:t>2022/4/16</a:t>
+              <a:t>2022/5/3</a:t>
             </a:fld>
             <a:endParaRPr kumimoji="1" lang="ja-JP" altLang="en-US"/>
           </a:p>
@@ -2613,7 +2613,7 @@
           <a:p>
             <a:fld id="{FB010384-A7D8-414A-A2F5-8FC277D29C40}" type="datetimeFigureOut">
               <a:rPr kumimoji="1" lang="ja-JP" altLang="en-US" smtClean="0"/>
-              <a:t>2022/4/16</a:t>
+              <a:t>2022/5/3</a:t>
             </a:fld>
             <a:endParaRPr kumimoji="1" lang="ja-JP" altLang="en-US"/>
           </a:p>
@@ -2858,7 +2858,7 @@
           <a:p>
             <a:fld id="{FB010384-A7D8-414A-A2F5-8FC277D29C40}" type="datetimeFigureOut">
               <a:rPr kumimoji="1" lang="ja-JP" altLang="en-US" smtClean="0"/>
-              <a:t>2022/4/16</a:t>
+              <a:t>2022/5/3</a:t>
             </a:fld>
             <a:endParaRPr kumimoji="1" lang="ja-JP" altLang="en-US"/>
           </a:p>
@@ -9248,10 +9248,10 @@
       </p:pic>
       <p:grpSp>
         <p:nvGrpSpPr>
-          <p:cNvPr id="7" name="グループ化 6">
-            <a:extLst>
-              <a:ext uri="{FF2B5EF4-FFF2-40B4-BE49-F238E27FC236}">
-                <a16:creationId xmlns:a16="http://schemas.microsoft.com/office/drawing/2014/main" id="{77E212C0-62E3-4546-9DD9-9742530ABAFB}"/>
+          <p:cNvPr id="10" name="グループ化 9">
+            <a:extLst>
+              <a:ext uri="{FF2B5EF4-FFF2-40B4-BE49-F238E27FC236}">
+                <a16:creationId xmlns:a16="http://schemas.microsoft.com/office/drawing/2014/main" id="{BCDD9C93-92EF-DC82-9695-BE43642A888F}"/>
               </a:ext>
             </a:extLst>
           </p:cNvPr>
@@ -9260,230 +9260,541 @@
         </p:nvGrpSpPr>
         <p:grpSpPr>
           <a:xfrm>
-            <a:off x="2955768" y="4145015"/>
-            <a:ext cx="4591390" cy="874466"/>
-            <a:chOff x="7198560" y="4159835"/>
-            <a:chExt cx="4591390" cy="874466"/>
+            <a:off x="2818225" y="4175153"/>
+            <a:ext cx="3785479" cy="874466"/>
+            <a:chOff x="-1518612" y="4335140"/>
+            <a:chExt cx="3785479" cy="874466"/>
           </a:xfrm>
         </p:grpSpPr>
-        <p:sp>
-          <p:nvSpPr>
-            <p:cNvPr id="122" name="テキスト ボックス 121">
+        <p:grpSp>
+          <p:nvGrpSpPr>
+            <p:cNvPr id="8" name="グループ化 7">
               <a:extLst>
                 <a:ext uri="{FF2B5EF4-FFF2-40B4-BE49-F238E27FC236}">
-                  <a16:creationId xmlns:a16="http://schemas.microsoft.com/office/drawing/2014/main" id="{A44F8FE5-8F85-4494-B0DA-D264841779DA}"/>
+                  <a16:creationId xmlns:a16="http://schemas.microsoft.com/office/drawing/2014/main" id="{BE6BC78D-6DA8-1D77-F16F-82A4B19EF01A}"/>
                 </a:ext>
               </a:extLst>
             </p:cNvPr>
-            <p:cNvSpPr txBox="1"/>
+            <p:cNvGrpSpPr/>
             <p:nvPr/>
-          </p:nvSpPr>
-          <p:spPr>
+          </p:nvGrpSpPr>
+          <p:grpSpPr>
             <a:xfrm>
-              <a:off x="7213894" y="4329669"/>
-              <a:ext cx="1782636" cy="200055"/>
+              <a:off x="-1518612" y="4335140"/>
+              <a:ext cx="3785479" cy="874466"/>
+              <a:chOff x="-1518612" y="4335140"/>
+              <a:chExt cx="3785479" cy="874466"/>
             </a:xfrm>
-            <a:prstGeom prst="rect">
-              <a:avLst/>
-            </a:prstGeom>
-            <a:noFill/>
-          </p:spPr>
-          <p:txBody>
-            <a:bodyPr wrap="square" rtlCol="0">
-              <a:spAutoFit/>
-            </a:bodyPr>
-            <a:lstStyle/>
-            <a:p>
-              <a:r>
-                <a:rPr kumimoji="1" lang="ja-JP" altLang="en-US" sz="700" dirty="0">
-                  <a:solidFill>
-                    <a:schemeClr val="accent4">
-                      <a:lumMod val="60000"/>
-                      <a:lumOff val="40000"/>
-                    </a:schemeClr>
-                  </a:solidFill>
-                </a:rPr>
-                <a:t>■</a:t>
-              </a:r>
-              <a:r>
-                <a:rPr kumimoji="1" lang="ja-JP" altLang="en-US" sz="700" dirty="0">
-                  <a:solidFill>
-                    <a:schemeClr val="accent6">
-                      <a:lumMod val="60000"/>
-                      <a:lumOff val="40000"/>
-                    </a:schemeClr>
-                  </a:solidFill>
-                </a:rPr>
-                <a:t> </a:t>
-              </a:r>
-              <a:r>
-                <a:rPr kumimoji="1" lang="en-US" altLang="ja-JP" sz="700" dirty="0"/>
-                <a:t>2022/02/02 12:00  </a:t>
-              </a:r>
-              <a:r>
-                <a:rPr kumimoji="1" lang="ja-JP" altLang="en-US" sz="700" dirty="0"/>
-                <a:t>新規作成</a:t>
-              </a:r>
-              <a:r>
-                <a:rPr kumimoji="1" lang="en-US" altLang="ja-JP" sz="700" dirty="0"/>
-                <a:t> </a:t>
-              </a:r>
-              <a:endParaRPr kumimoji="1" lang="ja-JP" altLang="en-US" sz="700" dirty="0"/>
-            </a:p>
-          </p:txBody>
-        </p:sp>
-        <p:sp>
-          <p:nvSpPr>
-            <p:cNvPr id="123" name="テキスト ボックス 122">
-              <a:extLst>
-                <a:ext uri="{FF2B5EF4-FFF2-40B4-BE49-F238E27FC236}">
-                  <a16:creationId xmlns:a16="http://schemas.microsoft.com/office/drawing/2014/main" id="{A9E2A823-D177-48D9-8202-3CF4C6CEE7C1}"/>
-                </a:ext>
-              </a:extLst>
-            </p:cNvPr>
-            <p:cNvSpPr txBox="1"/>
-            <p:nvPr/>
-          </p:nvSpPr>
-          <p:spPr>
-            <a:xfrm>
-              <a:off x="7213894" y="4179164"/>
-              <a:ext cx="1782636" cy="230832"/>
-            </a:xfrm>
-            <a:prstGeom prst="rect">
-              <a:avLst/>
-            </a:prstGeom>
-            <a:noFill/>
-          </p:spPr>
-          <p:txBody>
-            <a:bodyPr wrap="square" rtlCol="0">
-              <a:spAutoFit/>
-            </a:bodyPr>
-            <a:lstStyle/>
-            <a:p>
-              <a:r>
-                <a:rPr kumimoji="1" lang="ja-JP" altLang="en-US" sz="900" dirty="0"/>
-                <a:t>卵焼き</a:t>
-              </a:r>
-            </a:p>
-          </p:txBody>
-        </p:sp>
-        <p:sp>
-          <p:nvSpPr>
-            <p:cNvPr id="125" name="吹き出し: 角を丸めた四角形 124">
-              <a:extLst>
-                <a:ext uri="{FF2B5EF4-FFF2-40B4-BE49-F238E27FC236}">
-                  <a16:creationId xmlns:a16="http://schemas.microsoft.com/office/drawing/2014/main" id="{59CCF4D6-1524-45E7-B2A5-C43239241905}"/>
-                </a:ext>
-              </a:extLst>
-            </p:cNvPr>
-            <p:cNvSpPr/>
-            <p:nvPr/>
-          </p:nvSpPr>
-          <p:spPr>
-            <a:xfrm>
-              <a:off x="7198560" y="4159835"/>
-              <a:ext cx="3785479" cy="874466"/>
-            </a:xfrm>
-            <a:prstGeom prst="wedgeRoundRectCallout">
-              <a:avLst>
-                <a:gd name="adj1" fmla="val -32106"/>
-                <a:gd name="adj2" fmla="val -74831"/>
-                <a:gd name="adj3" fmla="val 16667"/>
-              </a:avLst>
-            </a:prstGeom>
-            <a:solidFill>
-              <a:schemeClr val="bg2"/>
-            </a:solidFill>
-            <a:ln>
+          </p:grpSpPr>
+          <p:sp>
+            <p:nvSpPr>
+              <p:cNvPr id="122" name="テキスト ボックス 121">
+                <a:extLst>
+                  <a:ext uri="{FF2B5EF4-FFF2-40B4-BE49-F238E27FC236}">
+                    <a16:creationId xmlns:a16="http://schemas.microsoft.com/office/drawing/2014/main" id="{A44F8FE5-8F85-4494-B0DA-D264841779DA}"/>
+                  </a:ext>
+                </a:extLst>
+              </p:cNvPr>
+              <p:cNvSpPr txBox="1"/>
+              <p:nvPr/>
+            </p:nvSpPr>
+            <p:spPr>
+              <a:xfrm>
+                <a:off x="-1503278" y="4504974"/>
+                <a:ext cx="1782636" cy="200055"/>
+              </a:xfrm>
+              <a:prstGeom prst="rect">
+                <a:avLst/>
+              </a:prstGeom>
+              <a:noFill/>
+            </p:spPr>
+            <p:txBody>
+              <a:bodyPr wrap="square" rtlCol="0">
+                <a:spAutoFit/>
+              </a:bodyPr>
+              <a:lstStyle/>
+              <a:p>
+                <a:r>
+                  <a:rPr kumimoji="1" lang="ja-JP" altLang="en-US" sz="700" dirty="0">
+                    <a:solidFill>
+                      <a:schemeClr val="accent4">
+                        <a:lumMod val="60000"/>
+                        <a:lumOff val="40000"/>
+                      </a:schemeClr>
+                    </a:solidFill>
+                  </a:rPr>
+                  <a:t>■</a:t>
+                </a:r>
+                <a:r>
+                  <a:rPr kumimoji="1" lang="ja-JP" altLang="en-US" sz="700" dirty="0">
+                    <a:solidFill>
+                      <a:schemeClr val="accent6">
+                        <a:lumMod val="60000"/>
+                        <a:lumOff val="40000"/>
+                      </a:schemeClr>
+                    </a:solidFill>
+                  </a:rPr>
+                  <a:t> </a:t>
+                </a:r>
+                <a:r>
+                  <a:rPr kumimoji="1" lang="en-US" altLang="ja-JP" sz="700" dirty="0"/>
+                  <a:t>2022/02/02 12:00  </a:t>
+                </a:r>
+                <a:r>
+                  <a:rPr kumimoji="1" lang="ja-JP" altLang="en-US" sz="700" dirty="0"/>
+                  <a:t>新規作成</a:t>
+                </a:r>
+                <a:r>
+                  <a:rPr kumimoji="1" lang="en-US" altLang="ja-JP" sz="700" dirty="0"/>
+                  <a:t> </a:t>
+                </a:r>
+                <a:endParaRPr kumimoji="1" lang="ja-JP" altLang="en-US" sz="700" dirty="0"/>
+              </a:p>
+            </p:txBody>
+          </p:sp>
+          <p:sp>
+            <p:nvSpPr>
+              <p:cNvPr id="123" name="テキスト ボックス 122">
+                <a:extLst>
+                  <a:ext uri="{FF2B5EF4-FFF2-40B4-BE49-F238E27FC236}">
+                    <a16:creationId xmlns:a16="http://schemas.microsoft.com/office/drawing/2014/main" id="{A9E2A823-D177-48D9-8202-3CF4C6CEE7C1}"/>
+                  </a:ext>
+                </a:extLst>
+              </p:cNvPr>
+              <p:cNvSpPr txBox="1"/>
+              <p:nvPr/>
+            </p:nvSpPr>
+            <p:spPr>
+              <a:xfrm>
+                <a:off x="-1503278" y="4354469"/>
+                <a:ext cx="1782636" cy="230832"/>
+              </a:xfrm>
+              <a:prstGeom prst="rect">
+                <a:avLst/>
+              </a:prstGeom>
+              <a:noFill/>
+            </p:spPr>
+            <p:txBody>
+              <a:bodyPr wrap="square" rtlCol="0">
+                <a:spAutoFit/>
+              </a:bodyPr>
+              <a:lstStyle/>
+              <a:p>
+                <a:r>
+                  <a:rPr kumimoji="1" lang="ja-JP" altLang="en-US" sz="900" dirty="0"/>
+                  <a:t>卵焼き</a:t>
+                </a:r>
+              </a:p>
+            </p:txBody>
+          </p:sp>
+          <p:sp>
+            <p:nvSpPr>
+              <p:cNvPr id="125" name="吹き出し: 角を丸めた四角形 124">
+                <a:extLst>
+                  <a:ext uri="{FF2B5EF4-FFF2-40B4-BE49-F238E27FC236}">
+                    <a16:creationId xmlns:a16="http://schemas.microsoft.com/office/drawing/2014/main" id="{59CCF4D6-1524-45E7-B2A5-C43239241905}"/>
+                  </a:ext>
+                </a:extLst>
+              </p:cNvPr>
+              <p:cNvSpPr/>
+              <p:nvPr/>
+            </p:nvSpPr>
+            <p:spPr>
+              <a:xfrm>
+                <a:off x="-1518612" y="4335140"/>
+                <a:ext cx="3785479" cy="874466"/>
+              </a:xfrm>
+              <a:prstGeom prst="wedgeRoundRectCallout">
+                <a:avLst>
+                  <a:gd name="adj1" fmla="val -32106"/>
+                  <a:gd name="adj2" fmla="val -74831"/>
+                  <a:gd name="adj3" fmla="val 16667"/>
+                </a:avLst>
+              </a:prstGeom>
               <a:solidFill>
-                <a:schemeClr val="tx1"/>
+                <a:schemeClr val="bg2"/>
               </a:solidFill>
-            </a:ln>
-          </p:spPr>
-          <p:style>
-            <a:lnRef idx="2">
-              <a:schemeClr val="accent1">
-                <a:shade val="50000"/>
-              </a:schemeClr>
-            </a:lnRef>
-            <a:fillRef idx="1">
-              <a:schemeClr val="accent1"/>
-            </a:fillRef>
-            <a:effectRef idx="0">
-              <a:schemeClr val="accent1"/>
-            </a:effectRef>
-            <a:fontRef idx="minor">
-              <a:schemeClr val="lt1"/>
-            </a:fontRef>
-          </p:style>
-          <p:txBody>
-            <a:bodyPr rtlCol="0" anchor="ctr"/>
-            <a:lstStyle/>
-            <a:p>
-              <a:endParaRPr kumimoji="1" lang="en-US" altLang="ja-JP" sz="1400" dirty="0">
+              <a:ln>
                 <a:solidFill>
                   <a:schemeClr val="tx1"/>
                 </a:solidFill>
-              </a:endParaRPr>
-            </a:p>
-            <a:p>
-              <a:r>
-                <a:rPr kumimoji="1" lang="en-US" altLang="ja-JP" sz="1400" dirty="0">
+              </a:ln>
+            </p:spPr>
+            <p:style>
+              <a:lnRef idx="2">
+                <a:schemeClr val="accent1">
+                  <a:shade val="50000"/>
+                </a:schemeClr>
+              </a:lnRef>
+              <a:fillRef idx="1">
+                <a:schemeClr val="accent1"/>
+              </a:fillRef>
+              <a:effectRef idx="0">
+                <a:schemeClr val="accent1"/>
+              </a:effectRef>
+              <a:fontRef idx="minor">
+                <a:schemeClr val="lt1"/>
+              </a:fontRef>
+            </p:style>
+            <p:txBody>
+              <a:bodyPr rtlCol="0" anchor="ctr"/>
+              <a:lstStyle/>
+              <a:p>
+                <a:endParaRPr kumimoji="1" lang="en-US" altLang="ja-JP" sz="1400" dirty="0">
                   <a:solidFill>
                     <a:schemeClr val="tx1"/>
                   </a:solidFill>
-                </a:rPr>
-                <a:t>200</a:t>
-              </a:r>
-              <a:r>
-                <a:rPr kumimoji="1" lang="ja-JP" altLang="en-US" sz="1400" dirty="0">
-                  <a:solidFill>
-                    <a:schemeClr val="tx1"/>
-                  </a:solidFill>
-                </a:rPr>
-                <a:t>円だった。</a:t>
-              </a:r>
-            </a:p>
-          </p:txBody>
-        </p:sp>
-        <p:sp>
-          <p:nvSpPr>
-            <p:cNvPr id="126" name="テキスト ボックス 125">
-              <a:extLst>
-                <a:ext uri="{FF2B5EF4-FFF2-40B4-BE49-F238E27FC236}">
-                  <a16:creationId xmlns:a16="http://schemas.microsoft.com/office/drawing/2014/main" id="{F7798E55-7392-420D-8CA9-5AF09571E346}"/>
-                </a:ext>
-              </a:extLst>
-            </p:cNvPr>
-            <p:cNvSpPr txBox="1"/>
-            <p:nvPr/>
-          </p:nvSpPr>
-          <p:spPr>
-            <a:xfrm>
-              <a:off x="10548771" y="4210909"/>
-              <a:ext cx="161543" cy="515526"/>
-            </a:xfrm>
-            <a:prstGeom prst="rect">
-              <a:avLst/>
-            </a:prstGeom>
-            <a:noFill/>
-          </p:spPr>
-          <p:txBody>
-            <a:bodyPr wrap="square" rtlCol="0">
-              <a:spAutoFit/>
-            </a:bodyPr>
-            <a:lstStyle/>
-            <a:p>
-              <a:r>
-                <a:rPr lang="ja-JP" altLang="en-US" sz="1400" b="1" dirty="0"/>
-                <a:t>✓</a:t>
-              </a:r>
-            </a:p>
-            <a:p>
-              <a:endParaRPr lang="ja-JP" altLang="en-US" sz="1350" dirty="0"/>
-            </a:p>
-          </p:txBody>
-        </p:sp>
+                </a:endParaRPr>
+              </a:p>
+              <a:p>
+                <a:r>
+                  <a:rPr kumimoji="1" lang="en-US" altLang="ja-JP" sz="1400" dirty="0">
+                    <a:solidFill>
+                      <a:schemeClr val="tx1"/>
+                    </a:solidFill>
+                  </a:rPr>
+                  <a:t>200</a:t>
+                </a:r>
+                <a:r>
+                  <a:rPr kumimoji="1" lang="ja-JP" altLang="en-US" sz="1400" dirty="0">
+                    <a:solidFill>
+                      <a:schemeClr val="tx1"/>
+                    </a:solidFill>
+                  </a:rPr>
+                  <a:t>円だった。</a:t>
+                </a:r>
+              </a:p>
+            </p:txBody>
+          </p:sp>
+          <p:grpSp>
+            <p:nvGrpSpPr>
+              <p:cNvPr id="6" name="グループ化 5">
+                <a:extLst>
+                  <a:ext uri="{FF2B5EF4-FFF2-40B4-BE49-F238E27FC236}">
+                    <a16:creationId xmlns:a16="http://schemas.microsoft.com/office/drawing/2014/main" id="{44FBFFCC-6091-5C90-799D-5D3DC00D1676}"/>
+                  </a:ext>
+                </a:extLst>
+              </p:cNvPr>
+              <p:cNvGrpSpPr/>
+              <p:nvPr/>
+            </p:nvGrpSpPr>
+            <p:grpSpPr>
+              <a:xfrm>
+                <a:off x="1004840" y="4383580"/>
+                <a:ext cx="1248745" cy="523655"/>
+                <a:chOff x="1064376" y="4382040"/>
+                <a:chExt cx="1248745" cy="523655"/>
+              </a:xfrm>
+            </p:grpSpPr>
+            <p:grpSp>
+              <p:nvGrpSpPr>
+                <p:cNvPr id="4" name="グループ化 3">
+                  <a:extLst>
+                    <a:ext uri="{FF2B5EF4-FFF2-40B4-BE49-F238E27FC236}">
+                      <a16:creationId xmlns:a16="http://schemas.microsoft.com/office/drawing/2014/main" id="{781B4960-4403-EFEC-157E-80C4F78889A4}"/>
+                    </a:ext>
+                  </a:extLst>
+                </p:cNvPr>
+                <p:cNvGrpSpPr/>
+                <p:nvPr/>
+              </p:nvGrpSpPr>
+              <p:grpSpPr>
+                <a:xfrm>
+                  <a:off x="1064376" y="4390169"/>
+                  <a:ext cx="828950" cy="515526"/>
+                  <a:chOff x="1283989" y="4386214"/>
+                  <a:chExt cx="828950" cy="515526"/>
+                </a:xfrm>
+              </p:grpSpPr>
+              <p:sp>
+                <p:nvSpPr>
+                  <p:cNvPr id="126" name="テキスト ボックス 125">
+                    <a:extLst>
+                      <a:ext uri="{FF2B5EF4-FFF2-40B4-BE49-F238E27FC236}">
+                        <a16:creationId xmlns:a16="http://schemas.microsoft.com/office/drawing/2014/main" id="{F7798E55-7392-420D-8CA9-5AF09571E346}"/>
+                      </a:ext>
+                    </a:extLst>
+                  </p:cNvPr>
+                  <p:cNvSpPr txBox="1"/>
+                  <p:nvPr/>
+                </p:nvSpPr>
+                <p:spPr>
+                  <a:xfrm>
+                    <a:off x="1831599" y="4386214"/>
+                    <a:ext cx="161543" cy="515526"/>
+                  </a:xfrm>
+                  <a:prstGeom prst="rect">
+                    <a:avLst/>
+                  </a:prstGeom>
+                  <a:noFill/>
+                </p:spPr>
+                <p:txBody>
+                  <a:bodyPr wrap="square" rtlCol="0">
+                    <a:spAutoFit/>
+                  </a:bodyPr>
+                  <a:lstStyle/>
+                  <a:p>
+                    <a:r>
+                      <a:rPr lang="ja-JP" altLang="en-US" sz="1400" b="1" dirty="0"/>
+                      <a:t>✓</a:t>
+                    </a:r>
+                  </a:p>
+                  <a:p>
+                    <a:endParaRPr lang="ja-JP" altLang="en-US" sz="1350" dirty="0"/>
+                  </a:p>
+                </p:txBody>
+              </p:sp>
+              <p:grpSp>
+                <p:nvGrpSpPr>
+                  <p:cNvPr id="3" name="グループ化 2">
+                    <a:extLst>
+                      <a:ext uri="{FF2B5EF4-FFF2-40B4-BE49-F238E27FC236}">
+                        <a16:creationId xmlns:a16="http://schemas.microsoft.com/office/drawing/2014/main" id="{697BD9F4-FCB3-4562-0EAB-2A4219A5BE25}"/>
+                      </a:ext>
+                    </a:extLst>
+                  </p:cNvPr>
+                  <p:cNvGrpSpPr/>
+                  <p:nvPr/>
+                </p:nvGrpSpPr>
+                <p:grpSpPr>
+                  <a:xfrm>
+                    <a:off x="1283989" y="4387173"/>
+                    <a:ext cx="828950" cy="300082"/>
+                    <a:chOff x="1283989" y="4387173"/>
+                    <a:chExt cx="828950" cy="300082"/>
+                  </a:xfrm>
+                </p:grpSpPr>
+                <p:sp>
+                  <p:nvSpPr>
+                    <p:cNvPr id="128" name="正方形/長方形 127">
+                      <a:extLst>
+                        <a:ext uri="{FF2B5EF4-FFF2-40B4-BE49-F238E27FC236}">
+                          <a16:creationId xmlns:a16="http://schemas.microsoft.com/office/drawing/2014/main" id="{8BD70DE7-4096-4E25-9851-8DE5F3231CCF}"/>
+                        </a:ext>
+                      </a:extLst>
+                    </p:cNvPr>
+                    <p:cNvSpPr/>
+                    <p:nvPr/>
+                  </p:nvSpPr>
+                  <p:spPr>
+                    <a:xfrm>
+                      <a:off x="1881576" y="4431955"/>
+                      <a:ext cx="231363" cy="194295"/>
+                    </a:xfrm>
+                    <a:prstGeom prst="rect">
+                      <a:avLst/>
+                    </a:prstGeom>
+                    <a:noFill/>
+                    <a:ln>
+                      <a:solidFill>
+                        <a:schemeClr val="tx1"/>
+                      </a:solidFill>
+                    </a:ln>
+                  </p:spPr>
+                  <p:style>
+                    <a:lnRef idx="2">
+                      <a:schemeClr val="accent1">
+                        <a:shade val="50000"/>
+                      </a:schemeClr>
+                    </a:lnRef>
+                    <a:fillRef idx="1">
+                      <a:schemeClr val="accent1"/>
+                    </a:fillRef>
+                    <a:effectRef idx="0">
+                      <a:schemeClr val="accent1"/>
+                    </a:effectRef>
+                    <a:fontRef idx="minor">
+                      <a:schemeClr val="lt1"/>
+                    </a:fontRef>
+                  </p:style>
+                  <p:txBody>
+                    <a:bodyPr rtlCol="0" anchor="ctr"/>
+                    <a:lstStyle/>
+                    <a:p>
+                      <a:pPr algn="ctr"/>
+                      <a:endParaRPr lang="ja-JP" altLang="en-US" sz="1350" dirty="0"/>
+                    </a:p>
+                  </p:txBody>
+                </p:sp>
+                <p:sp>
+                  <p:nvSpPr>
+                    <p:cNvPr id="129" name="正方形/長方形 128">
+                      <a:extLst>
+                        <a:ext uri="{FF2B5EF4-FFF2-40B4-BE49-F238E27FC236}">
+                          <a16:creationId xmlns:a16="http://schemas.microsoft.com/office/drawing/2014/main" id="{270FE3F3-FE8D-43C8-8D92-370A76D3E054}"/>
+                        </a:ext>
+                      </a:extLst>
+                    </p:cNvPr>
+                    <p:cNvSpPr/>
+                    <p:nvPr/>
+                  </p:nvSpPr>
+                  <p:spPr>
+                    <a:xfrm>
+                      <a:off x="1594616" y="4434827"/>
+                      <a:ext cx="231362" cy="194295"/>
+                    </a:xfrm>
+                    <a:prstGeom prst="rect">
+                      <a:avLst/>
+                    </a:prstGeom>
+                    <a:noFill/>
+                    <a:ln>
+                      <a:solidFill>
+                        <a:schemeClr val="tx1"/>
+                      </a:solidFill>
+                    </a:ln>
+                  </p:spPr>
+                  <p:style>
+                    <a:lnRef idx="2">
+                      <a:schemeClr val="accent1">
+                        <a:shade val="50000"/>
+                      </a:schemeClr>
+                    </a:lnRef>
+                    <a:fillRef idx="1">
+                      <a:schemeClr val="accent1"/>
+                    </a:fillRef>
+                    <a:effectRef idx="0">
+                      <a:schemeClr val="accent1"/>
+                    </a:effectRef>
+                    <a:fontRef idx="minor">
+                      <a:schemeClr val="lt1"/>
+                    </a:fontRef>
+                  </p:style>
+                  <p:txBody>
+                    <a:bodyPr rtlCol="0" anchor="ctr"/>
+                    <a:lstStyle/>
+                    <a:p>
+                      <a:pPr algn="ctr"/>
+                      <a:endParaRPr lang="ja-JP" altLang="en-US" sz="1350"/>
+                    </a:p>
+                  </p:txBody>
+                </p:sp>
+                <p:sp>
+                  <p:nvSpPr>
+                    <p:cNvPr id="130" name="正方形/長方形 129">
+                      <a:extLst>
+                        <a:ext uri="{FF2B5EF4-FFF2-40B4-BE49-F238E27FC236}">
+                          <a16:creationId xmlns:a16="http://schemas.microsoft.com/office/drawing/2014/main" id="{BBE8DF16-5409-47DC-A6A0-B7D221746DA1}"/>
+                        </a:ext>
+                      </a:extLst>
+                    </p:cNvPr>
+                    <p:cNvSpPr/>
+                    <p:nvPr/>
+                  </p:nvSpPr>
+                  <p:spPr>
+                    <a:xfrm>
+                      <a:off x="1283989" y="4433981"/>
+                      <a:ext cx="231362" cy="194295"/>
+                    </a:xfrm>
+                    <a:prstGeom prst="rect">
+                      <a:avLst/>
+                    </a:prstGeom>
+                    <a:noFill/>
+                    <a:ln>
+                      <a:solidFill>
+                        <a:schemeClr val="tx1"/>
+                      </a:solidFill>
+                    </a:ln>
+                  </p:spPr>
+                  <p:style>
+                    <a:lnRef idx="2">
+                      <a:schemeClr val="accent1">
+                        <a:shade val="50000"/>
+                      </a:schemeClr>
+                    </a:lnRef>
+                    <a:fillRef idx="1">
+                      <a:schemeClr val="accent1"/>
+                    </a:fillRef>
+                    <a:effectRef idx="0">
+                      <a:schemeClr val="accent1"/>
+                    </a:effectRef>
+                    <a:fontRef idx="minor">
+                      <a:schemeClr val="lt1"/>
+                    </a:fontRef>
+                  </p:style>
+                  <p:txBody>
+                    <a:bodyPr rtlCol="0" anchor="ctr"/>
+                    <a:lstStyle/>
+                    <a:p>
+                      <a:pPr algn="ctr"/>
+                      <a:endParaRPr lang="ja-JP" altLang="en-US" sz="1350"/>
+                    </a:p>
+                  </p:txBody>
+                </p:sp>
+                <p:sp>
+                  <p:nvSpPr>
+                    <p:cNvPr id="131" name="テキスト ボックス 130">
+                      <a:extLst>
+                        <a:ext uri="{FF2B5EF4-FFF2-40B4-BE49-F238E27FC236}">
+                          <a16:creationId xmlns:a16="http://schemas.microsoft.com/office/drawing/2014/main" id="{0FB9C256-4B28-4BC7-9B33-A0353BE1512E}"/>
+                        </a:ext>
+                      </a:extLst>
+                    </p:cNvPr>
+                    <p:cNvSpPr txBox="1"/>
+                    <p:nvPr/>
+                  </p:nvSpPr>
+                  <p:spPr>
+                    <a:xfrm>
+                      <a:off x="1533488" y="4387173"/>
+                      <a:ext cx="161543" cy="300082"/>
+                    </a:xfrm>
+                    <a:prstGeom prst="rect">
+                      <a:avLst/>
+                    </a:prstGeom>
+                    <a:noFill/>
+                  </p:spPr>
+                  <p:txBody>
+                    <a:bodyPr wrap="square" rtlCol="0">
+                      <a:spAutoFit/>
+                    </a:bodyPr>
+                    <a:lstStyle/>
+                    <a:p>
+                      <a:r>
+                        <a:rPr lang="ja-JP" altLang="en-US" sz="1350" dirty="0"/>
+                        <a:t>■</a:t>
+                      </a:r>
+                    </a:p>
+                  </p:txBody>
+                </p:sp>
+              </p:grpSp>
+            </p:grpSp>
+            <p:sp>
+              <p:nvSpPr>
+                <p:cNvPr id="92" name="テキスト ボックス 91">
+                  <a:extLst>
+                    <a:ext uri="{FF2B5EF4-FFF2-40B4-BE49-F238E27FC236}">
+                      <a16:creationId xmlns:a16="http://schemas.microsoft.com/office/drawing/2014/main" id="{F6EAAA07-A6A1-440B-A7F2-609C704C8B4E}"/>
+                    </a:ext>
+                  </a:extLst>
+                </p:cNvPr>
+                <p:cNvSpPr txBox="1"/>
+                <p:nvPr/>
+              </p:nvSpPr>
+              <p:spPr>
+                <a:xfrm>
+                  <a:off x="1885866" y="4382040"/>
+                  <a:ext cx="427255" cy="307777"/>
+                </a:xfrm>
+                <a:prstGeom prst="rect">
+                  <a:avLst/>
+                </a:prstGeom>
+                <a:noFill/>
+              </p:spPr>
+              <p:txBody>
+                <a:bodyPr wrap="square" rtlCol="0">
+                  <a:spAutoFit/>
+                </a:bodyPr>
+                <a:lstStyle/>
+                <a:p>
+                  <a:r>
+                    <a:rPr lang="en-US" altLang="ja-JP" sz="1400" b="1" dirty="0"/>
+                    <a:t>×</a:t>
+                  </a:r>
+                  <a:endParaRPr lang="ja-JP" altLang="en-US" sz="1400" b="1" dirty="0"/>
+                </a:p>
+              </p:txBody>
+            </p:sp>
+          </p:grpSp>
+        </p:grpSp>
         <p:sp>
           <p:nvSpPr>
             <p:cNvPr id="127" name="テキスト ボックス 126">
@@ -9498,8 +9809,8 @@
           </p:nvSpPr>
           <p:spPr>
             <a:xfrm>
-              <a:off x="7217950" y="4191624"/>
-              <a:ext cx="4572000" cy="307777"/>
+              <a:off x="-1229092" y="4366929"/>
+              <a:ext cx="3312514" cy="307777"/>
             </a:xfrm>
             <a:prstGeom prst="rect">
               <a:avLst/>
@@ -9524,197 +9835,6 @@
             </a:p>
           </p:txBody>
         </p:sp>
-        <p:sp>
-          <p:nvSpPr>
-            <p:cNvPr id="128" name="正方形/長方形 127">
-              <a:extLst>
-                <a:ext uri="{FF2B5EF4-FFF2-40B4-BE49-F238E27FC236}">
-                  <a16:creationId xmlns:a16="http://schemas.microsoft.com/office/drawing/2014/main" id="{8BD70DE7-4096-4E25-9851-8DE5F3231CCF}"/>
-                </a:ext>
-              </a:extLst>
-            </p:cNvPr>
-            <p:cNvSpPr/>
-            <p:nvPr/>
-          </p:nvSpPr>
-          <p:spPr>
-            <a:xfrm>
-              <a:off x="10598748" y="4256650"/>
-              <a:ext cx="231363" cy="194295"/>
-            </a:xfrm>
-            <a:prstGeom prst="rect">
-              <a:avLst/>
-            </a:prstGeom>
-            <a:noFill/>
-            <a:ln>
-              <a:solidFill>
-                <a:schemeClr val="tx1"/>
-              </a:solidFill>
-            </a:ln>
-          </p:spPr>
-          <p:style>
-            <a:lnRef idx="2">
-              <a:schemeClr val="accent1">
-                <a:shade val="50000"/>
-              </a:schemeClr>
-            </a:lnRef>
-            <a:fillRef idx="1">
-              <a:schemeClr val="accent1"/>
-            </a:fillRef>
-            <a:effectRef idx="0">
-              <a:schemeClr val="accent1"/>
-            </a:effectRef>
-            <a:fontRef idx="minor">
-              <a:schemeClr val="lt1"/>
-            </a:fontRef>
-          </p:style>
-          <p:txBody>
-            <a:bodyPr rtlCol="0" anchor="ctr"/>
-            <a:lstStyle/>
-            <a:p>
-              <a:pPr algn="ctr"/>
-              <a:endParaRPr lang="ja-JP" altLang="en-US" sz="1350" dirty="0"/>
-            </a:p>
-          </p:txBody>
-        </p:sp>
-        <p:sp>
-          <p:nvSpPr>
-            <p:cNvPr id="129" name="正方形/長方形 128">
-              <a:extLst>
-                <a:ext uri="{FF2B5EF4-FFF2-40B4-BE49-F238E27FC236}">
-                  <a16:creationId xmlns:a16="http://schemas.microsoft.com/office/drawing/2014/main" id="{270FE3F3-FE8D-43C8-8D92-370A76D3E054}"/>
-                </a:ext>
-              </a:extLst>
-            </p:cNvPr>
-            <p:cNvSpPr/>
-            <p:nvPr/>
-          </p:nvSpPr>
-          <p:spPr>
-            <a:xfrm>
-              <a:off x="10311788" y="4259522"/>
-              <a:ext cx="231362" cy="194295"/>
-            </a:xfrm>
-            <a:prstGeom prst="rect">
-              <a:avLst/>
-            </a:prstGeom>
-            <a:noFill/>
-            <a:ln>
-              <a:solidFill>
-                <a:schemeClr val="tx1"/>
-              </a:solidFill>
-            </a:ln>
-          </p:spPr>
-          <p:style>
-            <a:lnRef idx="2">
-              <a:schemeClr val="accent1">
-                <a:shade val="50000"/>
-              </a:schemeClr>
-            </a:lnRef>
-            <a:fillRef idx="1">
-              <a:schemeClr val="accent1"/>
-            </a:fillRef>
-            <a:effectRef idx="0">
-              <a:schemeClr val="accent1"/>
-            </a:effectRef>
-            <a:fontRef idx="minor">
-              <a:schemeClr val="lt1"/>
-            </a:fontRef>
-          </p:style>
-          <p:txBody>
-            <a:bodyPr rtlCol="0" anchor="ctr"/>
-            <a:lstStyle/>
-            <a:p>
-              <a:pPr algn="ctr"/>
-              <a:endParaRPr lang="ja-JP" altLang="en-US" sz="1350"/>
-            </a:p>
-          </p:txBody>
-        </p:sp>
-        <p:sp>
-          <p:nvSpPr>
-            <p:cNvPr id="130" name="正方形/長方形 129">
-              <a:extLst>
-                <a:ext uri="{FF2B5EF4-FFF2-40B4-BE49-F238E27FC236}">
-                  <a16:creationId xmlns:a16="http://schemas.microsoft.com/office/drawing/2014/main" id="{BBE8DF16-5409-47DC-A6A0-B7D221746DA1}"/>
-                </a:ext>
-              </a:extLst>
-            </p:cNvPr>
-            <p:cNvSpPr/>
-            <p:nvPr/>
-          </p:nvSpPr>
-          <p:spPr>
-            <a:xfrm>
-              <a:off x="10001161" y="4258676"/>
-              <a:ext cx="231362" cy="194295"/>
-            </a:xfrm>
-            <a:prstGeom prst="rect">
-              <a:avLst/>
-            </a:prstGeom>
-            <a:noFill/>
-            <a:ln>
-              <a:solidFill>
-                <a:schemeClr val="tx1"/>
-              </a:solidFill>
-            </a:ln>
-          </p:spPr>
-          <p:style>
-            <a:lnRef idx="2">
-              <a:schemeClr val="accent1">
-                <a:shade val="50000"/>
-              </a:schemeClr>
-            </a:lnRef>
-            <a:fillRef idx="1">
-              <a:schemeClr val="accent1"/>
-            </a:fillRef>
-            <a:effectRef idx="0">
-              <a:schemeClr val="accent1"/>
-            </a:effectRef>
-            <a:fontRef idx="minor">
-              <a:schemeClr val="lt1"/>
-            </a:fontRef>
-          </p:style>
-          <p:txBody>
-            <a:bodyPr rtlCol="0" anchor="ctr"/>
-            <a:lstStyle/>
-            <a:p>
-              <a:pPr algn="ctr"/>
-              <a:endParaRPr lang="ja-JP" altLang="en-US" sz="1350"/>
-            </a:p>
-          </p:txBody>
-        </p:sp>
-        <p:sp>
-          <p:nvSpPr>
-            <p:cNvPr id="131" name="テキスト ボックス 130">
-              <a:extLst>
-                <a:ext uri="{FF2B5EF4-FFF2-40B4-BE49-F238E27FC236}">
-                  <a16:creationId xmlns:a16="http://schemas.microsoft.com/office/drawing/2014/main" id="{0FB9C256-4B28-4BC7-9B33-A0353BE1512E}"/>
-                </a:ext>
-              </a:extLst>
-            </p:cNvPr>
-            <p:cNvSpPr txBox="1"/>
-            <p:nvPr/>
-          </p:nvSpPr>
-          <p:spPr>
-            <a:xfrm>
-              <a:off x="10250660" y="4211868"/>
-              <a:ext cx="161543" cy="300082"/>
-            </a:xfrm>
-            <a:prstGeom prst="rect">
-              <a:avLst/>
-            </a:prstGeom>
-            <a:noFill/>
-          </p:spPr>
-          <p:txBody>
-            <a:bodyPr wrap="square" rtlCol="0">
-              <a:spAutoFit/>
-            </a:bodyPr>
-            <a:lstStyle/>
-            <a:p>
-              <a:r>
-                <a:rPr lang="ja-JP" altLang="en-US" sz="1350" dirty="0"/>
-                <a:t>■</a:t>
-              </a:r>
-            </a:p>
-          </p:txBody>
-        </p:sp>
       </p:grpSp>
       <p:sp>
         <p:nvSpPr>
@@ -10218,6 +10338,58 @@
           </a:prstGeom>
         </p:spPr>
       </p:pic>
+      <p:sp>
+        <p:nvSpPr>
+          <p:cNvPr id="94" name="正方形/長方形 93">
+            <a:extLst>
+              <a:ext uri="{FF2B5EF4-FFF2-40B4-BE49-F238E27FC236}">
+                <a16:creationId xmlns:a16="http://schemas.microsoft.com/office/drawing/2014/main" id="{6B491AB5-C550-F586-10CB-26D17E33B0FD}"/>
+              </a:ext>
+            </a:extLst>
+          </p:cNvPr>
+          <p:cNvSpPr/>
+          <p:nvPr/>
+        </p:nvSpPr>
+        <p:spPr>
+          <a:xfrm>
+            <a:off x="2891245" y="4270356"/>
+            <a:ext cx="231362" cy="194295"/>
+          </a:xfrm>
+          <a:prstGeom prst="rect">
+            <a:avLst/>
+          </a:prstGeom>
+          <a:noFill/>
+          <a:ln>
+            <a:solidFill>
+              <a:schemeClr val="tx1"/>
+            </a:solidFill>
+          </a:ln>
+        </p:spPr>
+        <p:style>
+          <a:lnRef idx="2">
+            <a:schemeClr val="accent1">
+              <a:shade val="50000"/>
+            </a:schemeClr>
+          </a:lnRef>
+          <a:fillRef idx="1">
+            <a:schemeClr val="accent1"/>
+          </a:fillRef>
+          <a:effectRef idx="0">
+            <a:schemeClr val="accent1"/>
+          </a:effectRef>
+          <a:fontRef idx="minor">
+            <a:schemeClr val="lt1"/>
+          </a:fontRef>
+        </p:style>
+        <p:txBody>
+          <a:bodyPr rtlCol="0" anchor="ctr"/>
+          <a:lstStyle/>
+          <a:p>
+            <a:pPr algn="ctr"/>
+            <a:endParaRPr lang="ja-JP" altLang="en-US" sz="1350"/>
+          </a:p>
+        </p:txBody>
+      </p:sp>
     </p:spTree>
     <p:extLst>
       <p:ext uri="{BB962C8B-B14F-4D97-AF65-F5344CB8AC3E}">
@@ -14962,126 +15134,6 @@
           </a:p>
         </p:txBody>
       </p:sp>
-      <p:pic>
-        <p:nvPicPr>
-          <p:cNvPr id="147" name="図 146">
-            <a:extLst>
-              <a:ext uri="{FF2B5EF4-FFF2-40B4-BE49-F238E27FC236}">
-                <a16:creationId xmlns:a16="http://schemas.microsoft.com/office/drawing/2014/main" id="{DD5B905E-E871-48A8-9EDE-40A8809AD67A}"/>
-              </a:ext>
-            </a:extLst>
-          </p:cNvPr>
-          <p:cNvPicPr>
-            <a:picLocks noChangeAspect="1"/>
-          </p:cNvPicPr>
-          <p:nvPr/>
-        </p:nvPicPr>
-        <p:blipFill>
-          <a:blip r:embed="rId4"/>
-          <a:stretch>
-            <a:fillRect/>
-          </a:stretch>
-        </p:blipFill>
-        <p:spPr>
-          <a:xfrm>
-            <a:off x="8437814" y="4102197"/>
-            <a:ext cx="230959" cy="281658"/>
-          </a:xfrm>
-          <a:prstGeom prst="rect">
-            <a:avLst/>
-          </a:prstGeom>
-        </p:spPr>
-      </p:pic>
-      <p:pic>
-        <p:nvPicPr>
-          <p:cNvPr id="148" name="図 147">
-            <a:extLst>
-              <a:ext uri="{FF2B5EF4-FFF2-40B4-BE49-F238E27FC236}">
-                <a16:creationId xmlns:a16="http://schemas.microsoft.com/office/drawing/2014/main" id="{769780D1-0B09-4525-B69B-A1BEEC052560}"/>
-              </a:ext>
-            </a:extLst>
-          </p:cNvPr>
-          <p:cNvPicPr>
-            <a:picLocks noChangeAspect="1"/>
-          </p:cNvPicPr>
-          <p:nvPr/>
-        </p:nvPicPr>
-        <p:blipFill>
-          <a:blip r:embed="rId4"/>
-          <a:stretch>
-            <a:fillRect/>
-          </a:stretch>
-        </p:blipFill>
-        <p:spPr>
-          <a:xfrm>
-            <a:off x="8441467" y="4501126"/>
-            <a:ext cx="230959" cy="281658"/>
-          </a:xfrm>
-          <a:prstGeom prst="rect">
-            <a:avLst/>
-          </a:prstGeom>
-        </p:spPr>
-      </p:pic>
-      <p:pic>
-        <p:nvPicPr>
-          <p:cNvPr id="149" name="図 148">
-            <a:extLst>
-              <a:ext uri="{FF2B5EF4-FFF2-40B4-BE49-F238E27FC236}">
-                <a16:creationId xmlns:a16="http://schemas.microsoft.com/office/drawing/2014/main" id="{4B778CA1-AE54-4D66-B843-45C411BDAB9B}"/>
-              </a:ext>
-            </a:extLst>
-          </p:cNvPr>
-          <p:cNvPicPr>
-            <a:picLocks noChangeAspect="1"/>
-          </p:cNvPicPr>
-          <p:nvPr/>
-        </p:nvPicPr>
-        <p:blipFill>
-          <a:blip r:embed="rId4"/>
-          <a:stretch>
-            <a:fillRect/>
-          </a:stretch>
-        </p:blipFill>
-        <p:spPr>
-          <a:xfrm>
-            <a:off x="8459752" y="4912900"/>
-            <a:ext cx="228581" cy="278758"/>
-          </a:xfrm>
-          <a:prstGeom prst="rect">
-            <a:avLst/>
-          </a:prstGeom>
-        </p:spPr>
-      </p:pic>
-      <p:pic>
-        <p:nvPicPr>
-          <p:cNvPr id="150" name="図 149">
-            <a:extLst>
-              <a:ext uri="{FF2B5EF4-FFF2-40B4-BE49-F238E27FC236}">
-                <a16:creationId xmlns:a16="http://schemas.microsoft.com/office/drawing/2014/main" id="{8A40AC29-79D3-4D65-AC29-AD644FBC200E}"/>
-              </a:ext>
-            </a:extLst>
-          </p:cNvPr>
-          <p:cNvPicPr>
-            <a:picLocks noChangeAspect="1"/>
-          </p:cNvPicPr>
-          <p:nvPr/>
-        </p:nvPicPr>
-        <p:blipFill>
-          <a:blip r:embed="rId4"/>
-          <a:stretch>
-            <a:fillRect/>
-          </a:stretch>
-        </p:blipFill>
-        <p:spPr>
-          <a:xfrm>
-            <a:off x="8466494" y="5308078"/>
-            <a:ext cx="228581" cy="278758"/>
-          </a:xfrm>
-          <a:prstGeom prst="rect">
-            <a:avLst/>
-          </a:prstGeom>
-        </p:spPr>
-      </p:pic>
       <p:sp>
         <p:nvSpPr>
           <p:cNvPr id="152" name="正方形/長方形 151">
@@ -15157,6 +15209,36 @@
           <p:nvPr/>
         </p:nvPicPr>
         <p:blipFill>
+          <a:blip r:embed="rId4"/>
+          <a:stretch>
+            <a:fillRect/>
+          </a:stretch>
+        </p:blipFill>
+        <p:spPr>
+          <a:xfrm>
+            <a:off x="221370" y="1834226"/>
+            <a:ext cx="495440" cy="455805"/>
+          </a:xfrm>
+          <a:prstGeom prst="rect">
+            <a:avLst/>
+          </a:prstGeom>
+        </p:spPr>
+      </p:pic>
+      <p:pic>
+        <p:nvPicPr>
+          <p:cNvPr id="159" name="図 158">
+            <a:extLst>
+              <a:ext uri="{FF2B5EF4-FFF2-40B4-BE49-F238E27FC236}">
+                <a16:creationId xmlns:a16="http://schemas.microsoft.com/office/drawing/2014/main" id="{9EB1DDDA-74E3-4010-8147-E56048A0B24D}"/>
+              </a:ext>
+            </a:extLst>
+          </p:cNvPr>
+          <p:cNvPicPr>
+            <a:picLocks noChangeAspect="1"/>
+          </p:cNvPicPr>
+          <p:nvPr/>
+        </p:nvPicPr>
+        <p:blipFill>
           <a:blip r:embed="rId5"/>
           <a:stretch>
             <a:fillRect/>
@@ -15164,8 +15246,8 @@
         </p:blipFill>
         <p:spPr>
           <a:xfrm>
-            <a:off x="221370" y="1834226"/>
-            <a:ext cx="495440" cy="455805"/>
+            <a:off x="255777" y="6387459"/>
+            <a:ext cx="426626" cy="446092"/>
           </a:xfrm>
           <a:prstGeom prst="rect">
             <a:avLst/>
@@ -15174,10 +15256,10 @@
       </p:pic>
       <p:pic>
         <p:nvPicPr>
-          <p:cNvPr id="159" name="図 158">
-            <a:extLst>
-              <a:ext uri="{FF2B5EF4-FFF2-40B4-BE49-F238E27FC236}">
-                <a16:creationId xmlns:a16="http://schemas.microsoft.com/office/drawing/2014/main" id="{9EB1DDDA-74E3-4010-8147-E56048A0B24D}"/>
+          <p:cNvPr id="160" name="図 159">
+            <a:extLst>
+              <a:ext uri="{FF2B5EF4-FFF2-40B4-BE49-F238E27FC236}">
+                <a16:creationId xmlns:a16="http://schemas.microsoft.com/office/drawing/2014/main" id="{2F761F7E-A289-4399-9849-26B50BD1751E}"/>
               </a:ext>
             </a:extLst>
           </p:cNvPr>
@@ -15194,8 +15276,8 @@
         </p:blipFill>
         <p:spPr>
           <a:xfrm>
-            <a:off x="255777" y="6387459"/>
-            <a:ext cx="426626" cy="446092"/>
+            <a:off x="232347" y="2364984"/>
+            <a:ext cx="484463" cy="454295"/>
           </a:xfrm>
           <a:prstGeom prst="rect">
             <a:avLst/>
@@ -15204,10 +15286,10 @@
       </p:pic>
       <p:pic>
         <p:nvPicPr>
-          <p:cNvPr id="160" name="図 159">
-            <a:extLst>
-              <a:ext uri="{FF2B5EF4-FFF2-40B4-BE49-F238E27FC236}">
-                <a16:creationId xmlns:a16="http://schemas.microsoft.com/office/drawing/2014/main" id="{2F761F7E-A289-4399-9849-26B50BD1751E}"/>
+          <p:cNvPr id="161" name="図 160">
+            <a:extLst>
+              <a:ext uri="{FF2B5EF4-FFF2-40B4-BE49-F238E27FC236}">
+                <a16:creationId xmlns:a16="http://schemas.microsoft.com/office/drawing/2014/main" id="{17E0A7F8-0A6E-49FC-B10D-6D0D5636EA07}"/>
               </a:ext>
             </a:extLst>
           </p:cNvPr>
@@ -15217,43 +15299,13 @@
           <p:nvPr/>
         </p:nvPicPr>
         <p:blipFill>
-          <a:blip r:embed="rId7"/>
+          <a:blip r:embed="rId6"/>
           <a:stretch>
             <a:fillRect/>
           </a:stretch>
         </p:blipFill>
         <p:spPr>
           <a:xfrm>
-            <a:off x="232347" y="2364984"/>
-            <a:ext cx="484463" cy="454295"/>
-          </a:xfrm>
-          <a:prstGeom prst="rect">
-            <a:avLst/>
-          </a:prstGeom>
-        </p:spPr>
-      </p:pic>
-      <p:pic>
-        <p:nvPicPr>
-          <p:cNvPr id="161" name="図 160">
-            <a:extLst>
-              <a:ext uri="{FF2B5EF4-FFF2-40B4-BE49-F238E27FC236}">
-                <a16:creationId xmlns:a16="http://schemas.microsoft.com/office/drawing/2014/main" id="{17E0A7F8-0A6E-49FC-B10D-6D0D5636EA07}"/>
-              </a:ext>
-            </a:extLst>
-          </p:cNvPr>
-          <p:cNvPicPr>
-            <a:picLocks noChangeAspect="1"/>
-          </p:cNvPicPr>
-          <p:nvPr/>
-        </p:nvPicPr>
-        <p:blipFill>
-          <a:blip r:embed="rId7"/>
-          <a:stretch>
-            <a:fillRect/>
-          </a:stretch>
-        </p:blipFill>
-        <p:spPr>
-          <a:xfrm>
             <a:off x="221370" y="2981126"/>
             <a:ext cx="484463" cy="454295"/>
           </a:xfrm>
@@ -15277,7 +15329,7 @@
           <p:nvPr/>
         </p:nvPicPr>
         <p:blipFill>
-          <a:blip r:embed="rId8"/>
+          <a:blip r:embed="rId7"/>
           <a:stretch>
             <a:fillRect/>
           </a:stretch>

--- a/Doc/MAF00100.pptx
+++ b/Doc/MAF00100.pptx
@@ -15134,6 +15134,36 @@
           </a:p>
         </p:txBody>
       </p:sp>
+      <p:pic>
+        <p:nvPicPr>
+          <p:cNvPr id="150" name="図 149">
+            <a:extLst>
+              <a:ext uri="{FF2B5EF4-FFF2-40B4-BE49-F238E27FC236}">
+                <a16:creationId xmlns:a16="http://schemas.microsoft.com/office/drawing/2014/main" id="{8A40AC29-79D3-4D65-AC29-AD644FBC200E}"/>
+              </a:ext>
+            </a:extLst>
+          </p:cNvPr>
+          <p:cNvPicPr>
+            <a:picLocks noChangeAspect="1"/>
+          </p:cNvPicPr>
+          <p:nvPr/>
+        </p:nvPicPr>
+        <p:blipFill>
+          <a:blip r:embed="rId4"/>
+          <a:stretch>
+            <a:fillRect/>
+          </a:stretch>
+        </p:blipFill>
+        <p:spPr>
+          <a:xfrm>
+            <a:off x="8466494" y="5308078"/>
+            <a:ext cx="228581" cy="278758"/>
+          </a:xfrm>
+          <a:prstGeom prst="rect">
+            <a:avLst/>
+          </a:prstGeom>
+        </p:spPr>
+      </p:pic>
       <p:sp>
         <p:nvSpPr>
           <p:cNvPr id="152" name="正方形/長方形 151">
@@ -15209,36 +15239,6 @@
           <p:nvPr/>
         </p:nvPicPr>
         <p:blipFill>
-          <a:blip r:embed="rId4"/>
-          <a:stretch>
-            <a:fillRect/>
-          </a:stretch>
-        </p:blipFill>
-        <p:spPr>
-          <a:xfrm>
-            <a:off x="221370" y="1834226"/>
-            <a:ext cx="495440" cy="455805"/>
-          </a:xfrm>
-          <a:prstGeom prst="rect">
-            <a:avLst/>
-          </a:prstGeom>
-        </p:spPr>
-      </p:pic>
-      <p:pic>
-        <p:nvPicPr>
-          <p:cNvPr id="159" name="図 158">
-            <a:extLst>
-              <a:ext uri="{FF2B5EF4-FFF2-40B4-BE49-F238E27FC236}">
-                <a16:creationId xmlns:a16="http://schemas.microsoft.com/office/drawing/2014/main" id="{9EB1DDDA-74E3-4010-8147-E56048A0B24D}"/>
-              </a:ext>
-            </a:extLst>
-          </p:cNvPr>
-          <p:cNvPicPr>
-            <a:picLocks noChangeAspect="1"/>
-          </p:cNvPicPr>
-          <p:nvPr/>
-        </p:nvPicPr>
-        <p:blipFill>
           <a:blip r:embed="rId5"/>
           <a:stretch>
             <a:fillRect/>
@@ -15246,8 +15246,8 @@
         </p:blipFill>
         <p:spPr>
           <a:xfrm>
-            <a:off x="255777" y="6387459"/>
-            <a:ext cx="426626" cy="446092"/>
+            <a:off x="221370" y="1834226"/>
+            <a:ext cx="495440" cy="455805"/>
           </a:xfrm>
           <a:prstGeom prst="rect">
             <a:avLst/>
@@ -15256,10 +15256,10 @@
       </p:pic>
       <p:pic>
         <p:nvPicPr>
-          <p:cNvPr id="160" name="図 159">
-            <a:extLst>
-              <a:ext uri="{FF2B5EF4-FFF2-40B4-BE49-F238E27FC236}">
-                <a16:creationId xmlns:a16="http://schemas.microsoft.com/office/drawing/2014/main" id="{2F761F7E-A289-4399-9849-26B50BD1751E}"/>
+          <p:cNvPr id="159" name="図 158">
+            <a:extLst>
+              <a:ext uri="{FF2B5EF4-FFF2-40B4-BE49-F238E27FC236}">
+                <a16:creationId xmlns:a16="http://schemas.microsoft.com/office/drawing/2014/main" id="{9EB1DDDA-74E3-4010-8147-E56048A0B24D}"/>
               </a:ext>
             </a:extLst>
           </p:cNvPr>
@@ -15276,6 +15276,36 @@
         </p:blipFill>
         <p:spPr>
           <a:xfrm>
+            <a:off x="255777" y="6387459"/>
+            <a:ext cx="426626" cy="446092"/>
+          </a:xfrm>
+          <a:prstGeom prst="rect">
+            <a:avLst/>
+          </a:prstGeom>
+        </p:spPr>
+      </p:pic>
+      <p:pic>
+        <p:nvPicPr>
+          <p:cNvPr id="160" name="図 159">
+            <a:extLst>
+              <a:ext uri="{FF2B5EF4-FFF2-40B4-BE49-F238E27FC236}">
+                <a16:creationId xmlns:a16="http://schemas.microsoft.com/office/drawing/2014/main" id="{2F761F7E-A289-4399-9849-26B50BD1751E}"/>
+              </a:ext>
+            </a:extLst>
+          </p:cNvPr>
+          <p:cNvPicPr>
+            <a:picLocks noChangeAspect="1"/>
+          </p:cNvPicPr>
+          <p:nvPr/>
+        </p:nvPicPr>
+        <p:blipFill>
+          <a:blip r:embed="rId7"/>
+          <a:stretch>
+            <a:fillRect/>
+          </a:stretch>
+        </p:blipFill>
+        <p:spPr>
+          <a:xfrm>
             <a:off x="232347" y="2364984"/>
             <a:ext cx="484463" cy="454295"/>
           </a:xfrm>
@@ -15299,7 +15329,7 @@
           <p:nvPr/>
         </p:nvPicPr>
         <p:blipFill>
-          <a:blip r:embed="rId6"/>
+          <a:blip r:embed="rId7"/>
           <a:stretch>
             <a:fillRect/>
           </a:stretch>
@@ -15329,7 +15359,7 @@
           <p:nvPr/>
         </p:nvPicPr>
         <p:blipFill>
-          <a:blip r:embed="rId7"/>
+          <a:blip r:embed="rId8"/>
           <a:stretch>
             <a:fillRect/>
           </a:stretch>
